--- a/ZombieOutbreak.pptx
+++ b/ZombieOutbreak.pptx
@@ -5,15 +5,21 @@
     <p:sldMasterId id="2147483648" r:id="rId1"/>
   </p:sldMasterIdLst>
   <p:notesMasterIdLst>
-    <p:notesMasterId r:id="rId8"/>
+    <p:notesMasterId r:id="rId14"/>
   </p:notesMasterIdLst>
   <p:sldIdLst>
     <p:sldId id="256" r:id="rId2"/>
     <p:sldId id="257" r:id="rId3"/>
     <p:sldId id="261" r:id="rId4"/>
-    <p:sldId id="260" r:id="rId5"/>
-    <p:sldId id="258" r:id="rId6"/>
-    <p:sldId id="262" r:id="rId7"/>
+    <p:sldId id="265" r:id="rId5"/>
+    <p:sldId id="260" r:id="rId6"/>
+    <p:sldId id="266" r:id="rId7"/>
+    <p:sldId id="267" r:id="rId8"/>
+    <p:sldId id="264" r:id="rId9"/>
+    <p:sldId id="258" r:id="rId10"/>
+    <p:sldId id="268" r:id="rId11"/>
+    <p:sldId id="262" r:id="rId12"/>
+    <p:sldId id="263" r:id="rId13"/>
   </p:sldIdLst>
   <p:sldSz cx="9144000" cy="6858000" type="screen4x3"/>
   <p:notesSz cx="6858000" cy="9144000"/>
@@ -367,6 +373,11 @@
         </p:txBody>
       </p:sp>
     </p:spTree>
+    <p:extLst>
+      <p:ext uri="{BB962C8B-B14F-4D97-AF65-F5344CB8AC3E}">
+        <p14:creationId xmlns:p14="http://schemas.microsoft.com/office/powerpoint/2010/main" val="1381114562"/>
+      </p:ext>
+    </p:extLst>
   </p:cSld>
   <p:clrMap bg1="lt1" tx1="dk1" bg2="lt2" tx2="dk2" accent1="accent1" accent2="accent2" accent3="accent3" accent4="accent4" accent5="accent5" accent6="accent6" hlink="hlink" folHlink="folHlink"/>
   <p:notesStyle>
@@ -550,6 +561,404 @@
 </p:notes>
 </file>
 
+<file path=ppt/notesSlides/notesSlide10.xml><?xml version="1.0" encoding="utf-8"?>
+<p:notes xmlns:a="http://schemas.openxmlformats.org/drawingml/2006/main" xmlns:r="http://schemas.openxmlformats.org/officeDocument/2006/relationships" xmlns:p="http://schemas.openxmlformats.org/presentationml/2006/main">
+  <p:cSld>
+    <p:spTree>
+      <p:nvGrpSpPr>
+        <p:cNvPr id="1" name=""/>
+        <p:cNvGrpSpPr/>
+        <p:nvPr/>
+      </p:nvGrpSpPr>
+      <p:grpSpPr>
+        <a:xfrm>
+          <a:off x="0" y="0"/>
+          <a:ext cx="0" cy="0"/>
+          <a:chOff x="0" y="0"/>
+          <a:chExt cx="0" cy="0"/>
+        </a:xfrm>
+      </p:grpSpPr>
+      <p:sp>
+        <p:nvSpPr>
+          <p:cNvPr id="2" name="Slide Image Placeholder 1"/>
+          <p:cNvSpPr>
+            <a:spLocks noGrp="1" noRot="1" noChangeAspect="1"/>
+          </p:cNvSpPr>
+          <p:nvPr>
+            <p:ph type="sldImg"/>
+          </p:nvPr>
+        </p:nvSpPr>
+        <p:spPr/>
+      </p:sp>
+      <p:sp>
+        <p:nvSpPr>
+          <p:cNvPr id="3" name="Notes Placeholder 2"/>
+          <p:cNvSpPr>
+            <a:spLocks noGrp="1"/>
+          </p:cNvSpPr>
+          <p:nvPr>
+            <p:ph type="body" idx="1"/>
+          </p:nvPr>
+        </p:nvSpPr>
+        <p:spPr/>
+        <p:txBody>
+          <a:bodyPr>
+            <a:normAutofit/>
+          </a:bodyPr>
+          <a:lstStyle/>
+          <a:p>
+            <a:endParaRPr lang="en-US" dirty="0" smtClean="0"/>
+          </a:p>
+          <a:p>
+            <a:pPr marL="0" marR="0" indent="0" algn="l" defTabSz="914400" rtl="0" eaLnBrk="1" fontAlgn="auto" latinLnBrk="0" hangingPunct="1">
+              <a:lnSpc>
+                <a:spcPct val="100000"/>
+              </a:lnSpc>
+              <a:spcBef>
+                <a:spcPts val="0"/>
+              </a:spcBef>
+              <a:spcAft>
+                <a:spcPts val="0"/>
+              </a:spcAft>
+              <a:buClrTx/>
+              <a:buSzTx/>
+              <a:buFontTx/>
+              <a:buNone/>
+              <a:tabLst/>
+              <a:defRPr/>
+            </a:pPr>
+            <a:r>
+              <a:rPr lang="en-US" sz="1200" kern="1200" dirty="0" smtClean="0">
+                <a:solidFill>
+                  <a:schemeClr val="tx1"/>
+                </a:solidFill>
+                <a:effectLst/>
+                <a:latin typeface="+mn-lt"/>
+                <a:ea typeface="+mn-ea"/>
+                <a:cs typeface="+mn-cs"/>
+              </a:rPr>
+              <a:t> </a:t>
+            </a:r>
+            <a:r>
+              <a:rPr lang="en-US" sz="1200" i="1" kern="1200" dirty="0" smtClean="0">
+                <a:solidFill>
+                  <a:schemeClr val="tx1"/>
+                </a:solidFill>
+                <a:effectLst/>
+                <a:latin typeface="+mn-lt"/>
+                <a:ea typeface="+mn-ea"/>
+                <a:cs typeface="+mn-cs"/>
+              </a:rPr>
+              <a:t>When zombies attack!: Mathematical </a:t>
+            </a:r>
+            <a:r>
+              <a:rPr lang="en-US" sz="1200" i="1" kern="1200" dirty="0" err="1" smtClean="0">
+                <a:solidFill>
+                  <a:schemeClr val="tx1"/>
+                </a:solidFill>
+                <a:effectLst/>
+                <a:latin typeface="+mn-lt"/>
+                <a:ea typeface="+mn-ea"/>
+                <a:cs typeface="+mn-cs"/>
+              </a:rPr>
+              <a:t>modelling</a:t>
+            </a:r>
+            <a:r>
+              <a:rPr lang="en-US" sz="1200" i="1" kern="1200" dirty="0" smtClean="0">
+                <a:solidFill>
+                  <a:schemeClr val="tx1"/>
+                </a:solidFill>
+                <a:effectLst/>
+                <a:latin typeface="+mn-lt"/>
+                <a:ea typeface="+mn-ea"/>
+                <a:cs typeface="+mn-cs"/>
+              </a:rPr>
+              <a:t> of an outbreak of. </a:t>
+            </a:r>
+            <a:r>
+              <a:rPr lang="en-US" sz="1200" b="1" kern="1200" dirty="0" err="1" smtClean="0">
+                <a:solidFill>
+                  <a:schemeClr val="tx1"/>
+                </a:solidFill>
+                <a:effectLst/>
+                <a:latin typeface="+mn-lt"/>
+                <a:ea typeface="+mn-ea"/>
+                <a:cs typeface="+mn-cs"/>
+              </a:rPr>
+              <a:t>Munz</a:t>
+            </a:r>
+            <a:r>
+              <a:rPr lang="en-US" sz="1200" b="1" kern="1200" dirty="0" smtClean="0">
+                <a:solidFill>
+                  <a:schemeClr val="tx1"/>
+                </a:solidFill>
+                <a:effectLst/>
+                <a:latin typeface="+mn-lt"/>
+                <a:ea typeface="+mn-ea"/>
+                <a:cs typeface="+mn-cs"/>
+              </a:rPr>
+              <a:t>, P, et al.</a:t>
+            </a:r>
+            <a:r>
+              <a:rPr lang="en-US" sz="1200" kern="1200" dirty="0" smtClean="0">
+                <a:solidFill>
+                  <a:schemeClr val="tx1"/>
+                </a:solidFill>
+                <a:effectLst/>
+                <a:latin typeface="+mn-lt"/>
+                <a:ea typeface="+mn-ea"/>
+                <a:cs typeface="+mn-cs"/>
+              </a:rPr>
+              <a:t> 2009, Infectious Disease </a:t>
+            </a:r>
+            <a:r>
+              <a:rPr lang="en-US" sz="1200" kern="1200" dirty="0" err="1" smtClean="0">
+                <a:solidFill>
+                  <a:schemeClr val="tx1"/>
+                </a:solidFill>
+                <a:effectLst/>
+                <a:latin typeface="+mn-lt"/>
+                <a:ea typeface="+mn-ea"/>
+                <a:cs typeface="+mn-cs"/>
+              </a:rPr>
+              <a:t>Modelling</a:t>
+            </a:r>
+            <a:r>
+              <a:rPr lang="en-US" sz="1200" kern="1200" dirty="0" smtClean="0">
+                <a:solidFill>
+                  <a:schemeClr val="tx1"/>
+                </a:solidFill>
+                <a:effectLst/>
+                <a:latin typeface="+mn-lt"/>
+                <a:ea typeface="+mn-ea"/>
+                <a:cs typeface="+mn-cs"/>
+              </a:rPr>
+              <a:t> Research Progress, pp. 133-150.</a:t>
+            </a:r>
+          </a:p>
+          <a:p>
+            <a:endParaRPr lang="en-US" dirty="0" smtClean="0"/>
+          </a:p>
+          <a:p>
+            <a:endParaRPr lang="en-US" dirty="0" smtClean="0"/>
+          </a:p>
+          <a:p>
+            <a:r>
+              <a:rPr lang="en-US" dirty="0" smtClean="0"/>
+              <a:t>http</a:t>
+            </a:r>
+            <a:r>
+              <a:rPr lang="en-US" dirty="0" smtClean="0"/>
+              <a:t>://www.flickr.com/photos/wonko-the-sane/3442488189/</a:t>
+            </a:r>
+            <a:endParaRPr lang="en-US" dirty="0"/>
+          </a:p>
+        </p:txBody>
+      </p:sp>
+      <p:sp>
+        <p:nvSpPr>
+          <p:cNvPr id="4" name="Slide Number Placeholder 3"/>
+          <p:cNvSpPr>
+            <a:spLocks noGrp="1"/>
+          </p:cNvSpPr>
+          <p:nvPr>
+            <p:ph type="sldNum" sz="quarter" idx="10"/>
+          </p:nvPr>
+        </p:nvSpPr>
+        <p:spPr/>
+        <p:txBody>
+          <a:bodyPr/>
+          <a:lstStyle/>
+          <a:p>
+            <a:fld id="{00FF2FF0-A9BF-485C-9913-3837008F2FBD}" type="slidenum">
+              <a:rPr lang="en-US" smtClean="0"/>
+              <a:pPr/>
+              <a:t>10</a:t>
+            </a:fld>
+            <a:endParaRPr lang="en-US"/>
+          </a:p>
+        </p:txBody>
+      </p:sp>
+    </p:spTree>
+  </p:cSld>
+  <p:clrMapOvr>
+    <a:masterClrMapping/>
+  </p:clrMapOvr>
+</p:notes>
+</file>
+
+<file path=ppt/notesSlides/notesSlide11.xml><?xml version="1.0" encoding="utf-8"?>
+<p:notes xmlns:a="http://schemas.openxmlformats.org/drawingml/2006/main" xmlns:r="http://schemas.openxmlformats.org/officeDocument/2006/relationships" xmlns:p="http://schemas.openxmlformats.org/presentationml/2006/main">
+  <p:cSld>
+    <p:spTree>
+      <p:nvGrpSpPr>
+        <p:cNvPr id="1" name=""/>
+        <p:cNvGrpSpPr/>
+        <p:nvPr/>
+      </p:nvGrpSpPr>
+      <p:grpSpPr>
+        <a:xfrm>
+          <a:off x="0" y="0"/>
+          <a:ext cx="0" cy="0"/>
+          <a:chOff x="0" y="0"/>
+          <a:chExt cx="0" cy="0"/>
+        </a:xfrm>
+      </p:grpSpPr>
+      <p:sp>
+        <p:nvSpPr>
+          <p:cNvPr id="2" name="Slide Image Placeholder 1"/>
+          <p:cNvSpPr>
+            <a:spLocks noGrp="1" noRot="1" noChangeAspect="1"/>
+          </p:cNvSpPr>
+          <p:nvPr>
+            <p:ph type="sldImg"/>
+          </p:nvPr>
+        </p:nvSpPr>
+        <p:spPr/>
+      </p:sp>
+      <p:sp>
+        <p:nvSpPr>
+          <p:cNvPr id="3" name="Notes Placeholder 2"/>
+          <p:cNvSpPr>
+            <a:spLocks noGrp="1"/>
+          </p:cNvSpPr>
+          <p:nvPr>
+            <p:ph type="body" idx="1"/>
+          </p:nvPr>
+        </p:nvSpPr>
+        <p:spPr/>
+        <p:txBody>
+          <a:bodyPr>
+            <a:normAutofit/>
+          </a:bodyPr>
+          <a:lstStyle/>
+          <a:p>
+            <a:r>
+              <a:rPr lang="en-US" smtClean="0"/>
+              <a:t>http://www.flickr.com/photos/wonko-the-sane/3442488189/</a:t>
+            </a:r>
+            <a:endParaRPr lang="en-US"/>
+          </a:p>
+        </p:txBody>
+      </p:sp>
+      <p:sp>
+        <p:nvSpPr>
+          <p:cNvPr id="4" name="Slide Number Placeholder 3"/>
+          <p:cNvSpPr>
+            <a:spLocks noGrp="1"/>
+          </p:cNvSpPr>
+          <p:nvPr>
+            <p:ph type="sldNum" sz="quarter" idx="10"/>
+          </p:nvPr>
+        </p:nvSpPr>
+        <p:spPr/>
+        <p:txBody>
+          <a:bodyPr/>
+          <a:lstStyle/>
+          <a:p>
+            <a:fld id="{00FF2FF0-A9BF-485C-9913-3837008F2FBD}" type="slidenum">
+              <a:rPr lang="en-US" smtClean="0"/>
+              <a:pPr/>
+              <a:t>11</a:t>
+            </a:fld>
+            <a:endParaRPr lang="en-US"/>
+          </a:p>
+        </p:txBody>
+      </p:sp>
+    </p:spTree>
+  </p:cSld>
+  <p:clrMapOvr>
+    <a:masterClrMapping/>
+  </p:clrMapOvr>
+</p:notes>
+</file>
+
+<file path=ppt/notesSlides/notesSlide12.xml><?xml version="1.0" encoding="utf-8"?>
+<p:notes xmlns:a="http://schemas.openxmlformats.org/drawingml/2006/main" xmlns:r="http://schemas.openxmlformats.org/officeDocument/2006/relationships" xmlns:p="http://schemas.openxmlformats.org/presentationml/2006/main">
+  <p:cSld>
+    <p:spTree>
+      <p:nvGrpSpPr>
+        <p:cNvPr id="1" name=""/>
+        <p:cNvGrpSpPr/>
+        <p:nvPr/>
+      </p:nvGrpSpPr>
+      <p:grpSpPr>
+        <a:xfrm>
+          <a:off x="0" y="0"/>
+          <a:ext cx="0" cy="0"/>
+          <a:chOff x="0" y="0"/>
+          <a:chExt cx="0" cy="0"/>
+        </a:xfrm>
+      </p:grpSpPr>
+      <p:sp>
+        <p:nvSpPr>
+          <p:cNvPr id="2" name="Slide Image Placeholder 1"/>
+          <p:cNvSpPr>
+            <a:spLocks noGrp="1" noRot="1" noChangeAspect="1"/>
+          </p:cNvSpPr>
+          <p:nvPr>
+            <p:ph type="sldImg"/>
+          </p:nvPr>
+        </p:nvSpPr>
+        <p:spPr/>
+      </p:sp>
+      <p:sp>
+        <p:nvSpPr>
+          <p:cNvPr id="3" name="Notes Placeholder 2"/>
+          <p:cNvSpPr>
+            <a:spLocks noGrp="1"/>
+          </p:cNvSpPr>
+          <p:nvPr>
+            <p:ph type="body" idx="1"/>
+          </p:nvPr>
+        </p:nvSpPr>
+        <p:spPr/>
+        <p:txBody>
+          <a:bodyPr>
+            <a:normAutofit/>
+          </a:bodyPr>
+          <a:lstStyle/>
+          <a:p>
+            <a:r>
+              <a:rPr lang="en-US" smtClean="0"/>
+              <a:t>http://www.flickr.com/photos/wonko-the-sane/3442488189/</a:t>
+            </a:r>
+            <a:endParaRPr lang="en-US"/>
+          </a:p>
+        </p:txBody>
+      </p:sp>
+      <p:sp>
+        <p:nvSpPr>
+          <p:cNvPr id="4" name="Slide Number Placeholder 3"/>
+          <p:cNvSpPr>
+            <a:spLocks noGrp="1"/>
+          </p:cNvSpPr>
+          <p:nvPr>
+            <p:ph type="sldNum" sz="quarter" idx="10"/>
+          </p:nvPr>
+        </p:nvSpPr>
+        <p:spPr/>
+        <p:txBody>
+          <a:bodyPr/>
+          <a:lstStyle/>
+          <a:p>
+            <a:fld id="{00FF2FF0-A9BF-485C-9913-3837008F2FBD}" type="slidenum">
+              <a:rPr lang="en-US" smtClean="0"/>
+              <a:pPr/>
+              <a:t>12</a:t>
+            </a:fld>
+            <a:endParaRPr lang="en-US"/>
+          </a:p>
+        </p:txBody>
+      </p:sp>
+    </p:spTree>
+  </p:cSld>
+  <p:clrMapOvr>
+    <a:masterClrMapping/>
+  </p:clrMapOvr>
+</p:notes>
+</file>
+
 <file path=ppt/notesSlides/notesSlide2.xml><?xml version="1.0" encoding="utf-8"?>
 <p:notes xmlns:a="http://schemas.openxmlformats.org/drawingml/2006/main" xmlns:r="http://schemas.openxmlformats.org/officeDocument/2006/relationships" xmlns:p="http://schemas.openxmlformats.org/presentationml/2006/main">
   <p:cSld>
@@ -1009,26 +1418,113 @@
           </a:bodyPr>
           <a:lstStyle/>
           <a:p>
-            <a:pPr marL="0" marR="0" indent="0" algn="l" defTabSz="914400" rtl="0" eaLnBrk="1" fontAlgn="auto" latinLnBrk="0" hangingPunct="1">
-              <a:lnSpc>
-                <a:spcPct val="100000"/>
-              </a:lnSpc>
-              <a:spcBef>
-                <a:spcPts val="0"/>
-              </a:spcBef>
-              <a:spcAft>
-                <a:spcPts val="0"/>
-              </a:spcAft>
-              <a:buClrTx/>
-              <a:buSzTx/>
-              <a:buFontTx/>
-              <a:buNone/>
-              <a:tabLst/>
-              <a:defRPr/>
-            </a:pPr>
-            <a:r>
-              <a:rPr lang="en-US" dirty="0" smtClean="0"/>
-              <a:t>http://www.pressthebuttons.com/2010/07/disco-zombie-doesnt-advertise.html</a:t>
+            <a:r>
+              <a:rPr lang="en-US" sz="1200" kern="1200" dirty="0" smtClean="0">
+                <a:solidFill>
+                  <a:schemeClr val="tx1"/>
+                </a:solidFill>
+                <a:effectLst/>
+                <a:latin typeface="+mn-lt"/>
+                <a:ea typeface="+mn-ea"/>
+                <a:cs typeface="+mn-cs"/>
+              </a:rPr>
+              <a:t> </a:t>
+            </a:r>
+            <a:r>
+              <a:rPr lang="en-US" sz="1200" i="1" kern="1200" dirty="0" smtClean="0">
+                <a:solidFill>
+                  <a:schemeClr val="tx1"/>
+                </a:solidFill>
+                <a:effectLst/>
+                <a:latin typeface="+mn-lt"/>
+                <a:ea typeface="+mn-ea"/>
+                <a:cs typeface="+mn-cs"/>
+              </a:rPr>
+              <a:t>When zombies attack!: Mathematical </a:t>
+            </a:r>
+            <a:r>
+              <a:rPr lang="en-US" sz="1200" i="1" kern="1200" dirty="0" err="1" smtClean="0">
+                <a:solidFill>
+                  <a:schemeClr val="tx1"/>
+                </a:solidFill>
+                <a:effectLst/>
+                <a:latin typeface="+mn-lt"/>
+                <a:ea typeface="+mn-ea"/>
+                <a:cs typeface="+mn-cs"/>
+              </a:rPr>
+              <a:t>modelling</a:t>
+            </a:r>
+            <a:r>
+              <a:rPr lang="en-US" sz="1200" i="1" kern="1200" dirty="0" smtClean="0">
+                <a:solidFill>
+                  <a:schemeClr val="tx1"/>
+                </a:solidFill>
+                <a:effectLst/>
+                <a:latin typeface="+mn-lt"/>
+                <a:ea typeface="+mn-ea"/>
+                <a:cs typeface="+mn-cs"/>
+              </a:rPr>
+              <a:t> of an outbreak of. </a:t>
+            </a:r>
+            <a:r>
+              <a:rPr lang="en-US" sz="1200" b="1" kern="1200" dirty="0" err="1" smtClean="0">
+                <a:solidFill>
+                  <a:schemeClr val="tx1"/>
+                </a:solidFill>
+                <a:effectLst/>
+                <a:latin typeface="+mn-lt"/>
+                <a:ea typeface="+mn-ea"/>
+                <a:cs typeface="+mn-cs"/>
+              </a:rPr>
+              <a:t>Munz</a:t>
+            </a:r>
+            <a:r>
+              <a:rPr lang="en-US" sz="1200" b="1" kern="1200" dirty="0" smtClean="0">
+                <a:solidFill>
+                  <a:schemeClr val="tx1"/>
+                </a:solidFill>
+                <a:effectLst/>
+                <a:latin typeface="+mn-lt"/>
+                <a:ea typeface="+mn-ea"/>
+                <a:cs typeface="+mn-cs"/>
+              </a:rPr>
+              <a:t>, P, et al.</a:t>
+            </a:r>
+            <a:r>
+              <a:rPr lang="en-US" sz="1200" kern="1200" dirty="0" smtClean="0">
+                <a:solidFill>
+                  <a:schemeClr val="tx1"/>
+                </a:solidFill>
+                <a:effectLst/>
+                <a:latin typeface="+mn-lt"/>
+                <a:ea typeface="+mn-ea"/>
+                <a:cs typeface="+mn-cs"/>
+              </a:rPr>
+              <a:t> 2009, Infectious Disease </a:t>
+            </a:r>
+            <a:r>
+              <a:rPr lang="en-US" sz="1200" kern="1200" dirty="0" err="1" smtClean="0">
+                <a:solidFill>
+                  <a:schemeClr val="tx1"/>
+                </a:solidFill>
+                <a:effectLst/>
+                <a:latin typeface="+mn-lt"/>
+                <a:ea typeface="+mn-ea"/>
+                <a:cs typeface="+mn-cs"/>
+              </a:rPr>
+              <a:t>Modelling</a:t>
+            </a:r>
+            <a:r>
+              <a:rPr lang="en-US" sz="1200" kern="1200" dirty="0" smtClean="0">
+                <a:solidFill>
+                  <a:schemeClr val="tx1"/>
+                </a:solidFill>
+                <a:effectLst/>
+                <a:latin typeface="+mn-lt"/>
+                <a:ea typeface="+mn-ea"/>
+                <a:cs typeface="+mn-cs"/>
+              </a:rPr>
+              <a:t> Research Progress, pp. 133-150.</a:t>
             </a:r>
           </a:p>
           <a:p>
@@ -1114,11 +1610,7 @@
           </a:bodyPr>
           <a:lstStyle/>
           <a:p>
-            <a:r>
-              <a:rPr lang="en-US" smtClean="0"/>
-              <a:t>http://www.flickr.com/photos/wonko-the-sane/3442488189/</a:t>
-            </a:r>
-            <a:endParaRPr lang="en-US"/>
+            <a:endParaRPr lang="en-US" dirty="0"/>
           </a:p>
         </p:txBody>
       </p:sp>
@@ -1200,11 +1692,7 @@
           </a:bodyPr>
           <a:lstStyle/>
           <a:p>
-            <a:r>
-              <a:rPr lang="en-US" smtClean="0"/>
-              <a:t>http://www.flickr.com/photos/wonko-the-sane/3442488189/</a:t>
-            </a:r>
-            <a:endParaRPr lang="en-US"/>
+            <a:endParaRPr lang="en-US" dirty="0"/>
           </a:p>
         </p:txBody>
       </p:sp>
@@ -1227,6 +1715,396 @@
               <a:rPr lang="en-US" smtClean="0"/>
               <a:pPr/>
               <a:t>6</a:t>
+            </a:fld>
+            <a:endParaRPr lang="en-US"/>
+          </a:p>
+        </p:txBody>
+      </p:sp>
+    </p:spTree>
+  </p:cSld>
+  <p:clrMapOvr>
+    <a:masterClrMapping/>
+  </p:clrMapOvr>
+</p:notes>
+</file>
+
+<file path=ppt/notesSlides/notesSlide7.xml><?xml version="1.0" encoding="utf-8"?>
+<p:notes xmlns:a="http://schemas.openxmlformats.org/drawingml/2006/main" xmlns:r="http://schemas.openxmlformats.org/officeDocument/2006/relationships" xmlns:p="http://schemas.openxmlformats.org/presentationml/2006/main">
+  <p:cSld>
+    <p:spTree>
+      <p:nvGrpSpPr>
+        <p:cNvPr id="1" name=""/>
+        <p:cNvGrpSpPr/>
+        <p:nvPr/>
+      </p:nvGrpSpPr>
+      <p:grpSpPr>
+        <a:xfrm>
+          <a:off x="0" y="0"/>
+          <a:ext cx="0" cy="0"/>
+          <a:chOff x="0" y="0"/>
+          <a:chExt cx="0" cy="0"/>
+        </a:xfrm>
+      </p:grpSpPr>
+      <p:sp>
+        <p:nvSpPr>
+          <p:cNvPr id="2" name="Slide Image Placeholder 1"/>
+          <p:cNvSpPr>
+            <a:spLocks noGrp="1" noRot="1" noChangeAspect="1"/>
+          </p:cNvSpPr>
+          <p:nvPr>
+            <p:ph type="sldImg"/>
+          </p:nvPr>
+        </p:nvSpPr>
+        <p:spPr/>
+      </p:sp>
+      <p:sp>
+        <p:nvSpPr>
+          <p:cNvPr id="3" name="Notes Placeholder 2"/>
+          <p:cNvSpPr>
+            <a:spLocks noGrp="1"/>
+          </p:cNvSpPr>
+          <p:nvPr>
+            <p:ph type="body" idx="1"/>
+          </p:nvPr>
+        </p:nvSpPr>
+        <p:spPr/>
+        <p:txBody>
+          <a:bodyPr>
+            <a:normAutofit/>
+          </a:bodyPr>
+          <a:lstStyle/>
+          <a:p>
+            <a:endParaRPr lang="en-US" dirty="0"/>
+          </a:p>
+        </p:txBody>
+      </p:sp>
+      <p:sp>
+        <p:nvSpPr>
+          <p:cNvPr id="4" name="Slide Number Placeholder 3"/>
+          <p:cNvSpPr>
+            <a:spLocks noGrp="1"/>
+          </p:cNvSpPr>
+          <p:nvPr>
+            <p:ph type="sldNum" sz="quarter" idx="10"/>
+          </p:nvPr>
+        </p:nvSpPr>
+        <p:spPr/>
+        <p:txBody>
+          <a:bodyPr/>
+          <a:lstStyle/>
+          <a:p>
+            <a:fld id="{00FF2FF0-A9BF-485C-9913-3837008F2FBD}" type="slidenum">
+              <a:rPr lang="en-US" smtClean="0"/>
+              <a:pPr/>
+              <a:t>7</a:t>
+            </a:fld>
+            <a:endParaRPr lang="en-US"/>
+          </a:p>
+        </p:txBody>
+      </p:sp>
+    </p:spTree>
+  </p:cSld>
+  <p:clrMapOvr>
+    <a:masterClrMapping/>
+  </p:clrMapOvr>
+</p:notes>
+</file>
+
+<file path=ppt/notesSlides/notesSlide8.xml><?xml version="1.0" encoding="utf-8"?>
+<p:notes xmlns:a="http://schemas.openxmlformats.org/drawingml/2006/main" xmlns:r="http://schemas.openxmlformats.org/officeDocument/2006/relationships" xmlns:p="http://schemas.openxmlformats.org/presentationml/2006/main">
+  <p:cSld>
+    <p:spTree>
+      <p:nvGrpSpPr>
+        <p:cNvPr id="1" name=""/>
+        <p:cNvGrpSpPr/>
+        <p:nvPr/>
+      </p:nvGrpSpPr>
+      <p:grpSpPr>
+        <a:xfrm>
+          <a:off x="0" y="0"/>
+          <a:ext cx="0" cy="0"/>
+          <a:chOff x="0" y="0"/>
+          <a:chExt cx="0" cy="0"/>
+        </a:xfrm>
+      </p:grpSpPr>
+      <p:sp>
+        <p:nvSpPr>
+          <p:cNvPr id="2" name="Slide Image Placeholder 1"/>
+          <p:cNvSpPr>
+            <a:spLocks noGrp="1" noRot="1" noChangeAspect="1"/>
+          </p:cNvSpPr>
+          <p:nvPr>
+            <p:ph type="sldImg"/>
+          </p:nvPr>
+        </p:nvSpPr>
+        <p:spPr/>
+      </p:sp>
+      <p:sp>
+        <p:nvSpPr>
+          <p:cNvPr id="3" name="Notes Placeholder 2"/>
+          <p:cNvSpPr>
+            <a:spLocks noGrp="1"/>
+          </p:cNvSpPr>
+          <p:nvPr>
+            <p:ph type="body" idx="1"/>
+          </p:nvPr>
+        </p:nvSpPr>
+        <p:spPr/>
+        <p:txBody>
+          <a:bodyPr>
+            <a:normAutofit/>
+          </a:bodyPr>
+          <a:lstStyle/>
+          <a:p>
+            <a:endParaRPr lang="en-US" dirty="0"/>
+          </a:p>
+        </p:txBody>
+      </p:sp>
+      <p:sp>
+        <p:nvSpPr>
+          <p:cNvPr id="4" name="Slide Number Placeholder 3"/>
+          <p:cNvSpPr>
+            <a:spLocks noGrp="1"/>
+          </p:cNvSpPr>
+          <p:nvPr>
+            <p:ph type="sldNum" sz="quarter" idx="10"/>
+          </p:nvPr>
+        </p:nvSpPr>
+        <p:spPr/>
+        <p:txBody>
+          <a:bodyPr/>
+          <a:lstStyle/>
+          <a:p>
+            <a:fld id="{00FF2FF0-A9BF-485C-9913-3837008F2FBD}" type="slidenum">
+              <a:rPr lang="en-US" smtClean="0"/>
+              <a:pPr/>
+              <a:t>8</a:t>
+            </a:fld>
+            <a:endParaRPr lang="en-US"/>
+          </a:p>
+        </p:txBody>
+      </p:sp>
+    </p:spTree>
+  </p:cSld>
+  <p:clrMapOvr>
+    <a:masterClrMapping/>
+  </p:clrMapOvr>
+</p:notes>
+</file>
+
+<file path=ppt/notesSlides/notesSlide9.xml><?xml version="1.0" encoding="utf-8"?>
+<p:notes xmlns:a="http://schemas.openxmlformats.org/drawingml/2006/main" xmlns:r="http://schemas.openxmlformats.org/officeDocument/2006/relationships" xmlns:p="http://schemas.openxmlformats.org/presentationml/2006/main">
+  <p:cSld>
+    <p:spTree>
+      <p:nvGrpSpPr>
+        <p:cNvPr id="1" name=""/>
+        <p:cNvGrpSpPr/>
+        <p:nvPr/>
+      </p:nvGrpSpPr>
+      <p:grpSpPr>
+        <a:xfrm>
+          <a:off x="0" y="0"/>
+          <a:ext cx="0" cy="0"/>
+          <a:chOff x="0" y="0"/>
+          <a:chExt cx="0" cy="0"/>
+        </a:xfrm>
+      </p:grpSpPr>
+      <p:sp>
+        <p:nvSpPr>
+          <p:cNvPr id="2" name="Slide Image Placeholder 1"/>
+          <p:cNvSpPr>
+            <a:spLocks noGrp="1" noRot="1" noChangeAspect="1"/>
+          </p:cNvSpPr>
+          <p:nvPr>
+            <p:ph type="sldImg"/>
+          </p:nvPr>
+        </p:nvSpPr>
+        <p:spPr/>
+      </p:sp>
+      <p:sp>
+        <p:nvSpPr>
+          <p:cNvPr id="3" name="Notes Placeholder 2"/>
+          <p:cNvSpPr>
+            <a:spLocks noGrp="1"/>
+          </p:cNvSpPr>
+          <p:nvPr>
+            <p:ph type="body" idx="1"/>
+          </p:nvPr>
+        </p:nvSpPr>
+        <p:spPr/>
+        <p:txBody>
+          <a:bodyPr>
+            <a:normAutofit/>
+          </a:bodyPr>
+          <a:lstStyle/>
+          <a:p>
+            <a:endParaRPr lang="en-US" dirty="0" smtClean="0"/>
+          </a:p>
+          <a:p>
+            <a:pPr marL="0" marR="0" indent="0" algn="l" defTabSz="914400" rtl="0" eaLnBrk="1" fontAlgn="auto" latinLnBrk="0" hangingPunct="1">
+              <a:lnSpc>
+                <a:spcPct val="100000"/>
+              </a:lnSpc>
+              <a:spcBef>
+                <a:spcPts val="0"/>
+              </a:spcBef>
+              <a:spcAft>
+                <a:spcPts val="0"/>
+              </a:spcAft>
+              <a:buClrTx/>
+              <a:buSzTx/>
+              <a:buFontTx/>
+              <a:buNone/>
+              <a:tabLst/>
+              <a:defRPr/>
+            </a:pPr>
+            <a:r>
+              <a:rPr lang="en-US" sz="1200" kern="1200" dirty="0" smtClean="0">
+                <a:solidFill>
+                  <a:schemeClr val="tx1"/>
+                </a:solidFill>
+                <a:effectLst/>
+                <a:latin typeface="+mn-lt"/>
+                <a:ea typeface="+mn-ea"/>
+                <a:cs typeface="+mn-cs"/>
+              </a:rPr>
+              <a:t> </a:t>
+            </a:r>
+            <a:r>
+              <a:rPr lang="en-US" sz="1200" i="1" kern="1200" dirty="0" smtClean="0">
+                <a:solidFill>
+                  <a:schemeClr val="tx1"/>
+                </a:solidFill>
+                <a:effectLst/>
+                <a:latin typeface="+mn-lt"/>
+                <a:ea typeface="+mn-ea"/>
+                <a:cs typeface="+mn-cs"/>
+              </a:rPr>
+              <a:t>When zombies attack!: Mathematical </a:t>
+            </a:r>
+            <a:r>
+              <a:rPr lang="en-US" sz="1200" i="1" kern="1200" dirty="0" err="1" smtClean="0">
+                <a:solidFill>
+                  <a:schemeClr val="tx1"/>
+                </a:solidFill>
+                <a:effectLst/>
+                <a:latin typeface="+mn-lt"/>
+                <a:ea typeface="+mn-ea"/>
+                <a:cs typeface="+mn-cs"/>
+              </a:rPr>
+              <a:t>modelling</a:t>
+            </a:r>
+            <a:r>
+              <a:rPr lang="en-US" sz="1200" i="1" kern="1200" dirty="0" smtClean="0">
+                <a:solidFill>
+                  <a:schemeClr val="tx1"/>
+                </a:solidFill>
+                <a:effectLst/>
+                <a:latin typeface="+mn-lt"/>
+                <a:ea typeface="+mn-ea"/>
+                <a:cs typeface="+mn-cs"/>
+              </a:rPr>
+              <a:t> of an outbreak of. </a:t>
+            </a:r>
+            <a:r>
+              <a:rPr lang="en-US" sz="1200" b="1" kern="1200" dirty="0" err="1" smtClean="0">
+                <a:solidFill>
+                  <a:schemeClr val="tx1"/>
+                </a:solidFill>
+                <a:effectLst/>
+                <a:latin typeface="+mn-lt"/>
+                <a:ea typeface="+mn-ea"/>
+                <a:cs typeface="+mn-cs"/>
+              </a:rPr>
+              <a:t>Munz</a:t>
+            </a:r>
+            <a:r>
+              <a:rPr lang="en-US" sz="1200" b="1" kern="1200" dirty="0" smtClean="0">
+                <a:solidFill>
+                  <a:schemeClr val="tx1"/>
+                </a:solidFill>
+                <a:effectLst/>
+                <a:latin typeface="+mn-lt"/>
+                <a:ea typeface="+mn-ea"/>
+                <a:cs typeface="+mn-cs"/>
+              </a:rPr>
+              <a:t>, P, et al.</a:t>
+            </a:r>
+            <a:r>
+              <a:rPr lang="en-US" sz="1200" kern="1200" dirty="0" smtClean="0">
+                <a:solidFill>
+                  <a:schemeClr val="tx1"/>
+                </a:solidFill>
+                <a:effectLst/>
+                <a:latin typeface="+mn-lt"/>
+                <a:ea typeface="+mn-ea"/>
+                <a:cs typeface="+mn-cs"/>
+              </a:rPr>
+              <a:t> 2009, Infectious Disease </a:t>
+            </a:r>
+            <a:r>
+              <a:rPr lang="en-US" sz="1200" kern="1200" dirty="0" err="1" smtClean="0">
+                <a:solidFill>
+                  <a:schemeClr val="tx1"/>
+                </a:solidFill>
+                <a:effectLst/>
+                <a:latin typeface="+mn-lt"/>
+                <a:ea typeface="+mn-ea"/>
+                <a:cs typeface="+mn-cs"/>
+              </a:rPr>
+              <a:t>Modelling</a:t>
+            </a:r>
+            <a:r>
+              <a:rPr lang="en-US" sz="1200" kern="1200" dirty="0" smtClean="0">
+                <a:solidFill>
+                  <a:schemeClr val="tx1"/>
+                </a:solidFill>
+                <a:effectLst/>
+                <a:latin typeface="+mn-lt"/>
+                <a:ea typeface="+mn-ea"/>
+                <a:cs typeface="+mn-cs"/>
+              </a:rPr>
+              <a:t> Research Progress, pp. 133-150.</a:t>
+            </a:r>
+          </a:p>
+          <a:p>
+            <a:endParaRPr lang="en-US" dirty="0" smtClean="0"/>
+          </a:p>
+          <a:p>
+            <a:endParaRPr lang="en-US" dirty="0" smtClean="0"/>
+          </a:p>
+          <a:p>
+            <a:r>
+              <a:rPr lang="en-US" dirty="0" smtClean="0"/>
+              <a:t>http</a:t>
+            </a:r>
+            <a:r>
+              <a:rPr lang="en-US" dirty="0" smtClean="0"/>
+              <a:t>://www.flickr.com/photos/wonko-the-sane/3442488189/</a:t>
+            </a:r>
+            <a:endParaRPr lang="en-US" dirty="0"/>
+          </a:p>
+        </p:txBody>
+      </p:sp>
+      <p:sp>
+        <p:nvSpPr>
+          <p:cNvPr id="4" name="Slide Number Placeholder 3"/>
+          <p:cNvSpPr>
+            <a:spLocks noGrp="1"/>
+          </p:cNvSpPr>
+          <p:nvPr>
+            <p:ph type="sldNum" sz="quarter" idx="10"/>
+          </p:nvPr>
+        </p:nvSpPr>
+        <p:spPr/>
+        <p:txBody>
+          <a:bodyPr/>
+          <a:lstStyle/>
+          <a:p>
+            <a:fld id="{00FF2FF0-A9BF-485C-9913-3837008F2FBD}" type="slidenum">
+              <a:rPr lang="en-US" smtClean="0"/>
+              <a:pPr/>
+              <a:t>9</a:t>
             </a:fld>
             <a:endParaRPr lang="en-US"/>
           </a:p>
@@ -4436,6 +5314,1053 @@
 </p:sld>
 </file>
 
+<file path=ppt/slides/slide10.xml><?xml version="1.0" encoding="utf-8"?>
+<p:sld xmlns:a="http://schemas.openxmlformats.org/drawingml/2006/main" xmlns:r="http://schemas.openxmlformats.org/officeDocument/2006/relationships" xmlns:p="http://schemas.openxmlformats.org/presentationml/2006/main">
+  <p:cSld>
+    <p:bg>
+      <p:bgPr>
+        <a:solidFill>
+          <a:schemeClr val="tx1"/>
+        </a:solidFill>
+        <a:effectLst/>
+      </p:bgPr>
+    </p:bg>
+    <p:spTree>
+      <p:nvGrpSpPr>
+        <p:cNvPr id="1" name=""/>
+        <p:cNvGrpSpPr/>
+        <p:nvPr/>
+      </p:nvGrpSpPr>
+      <p:grpSpPr>
+        <a:xfrm>
+          <a:off x="0" y="0"/>
+          <a:ext cx="0" cy="0"/>
+          <a:chOff x="0" y="0"/>
+          <a:chExt cx="0" cy="0"/>
+        </a:xfrm>
+      </p:grpSpPr>
+      <p:sp>
+        <p:nvSpPr>
+          <p:cNvPr id="2" name="Title 1"/>
+          <p:cNvSpPr>
+            <a:spLocks noGrp="1"/>
+          </p:cNvSpPr>
+          <p:nvPr>
+            <p:ph type="title"/>
+          </p:nvPr>
+        </p:nvSpPr>
+        <p:spPr/>
+        <p:txBody>
+          <a:bodyPr>
+            <a:normAutofit/>
+          </a:bodyPr>
+          <a:lstStyle/>
+          <a:p>
+            <a:pPr algn="r"/>
+            <a:r>
+              <a:rPr lang="en-US" sz="5400" dirty="0" smtClean="0">
+                <a:solidFill>
+                  <a:srgbClr val="FFC000"/>
+                </a:solidFill>
+                <a:latin typeface="Chiller" pitchFamily="82" charset="0"/>
+              </a:rPr>
+              <a:t>Experimental </a:t>
+            </a:r>
+            <a:r>
+              <a:rPr lang="en-US" sz="5400" dirty="0" smtClean="0">
+                <a:solidFill>
+                  <a:srgbClr val="FFC000"/>
+                </a:solidFill>
+                <a:latin typeface="Chiller" pitchFamily="82" charset="0"/>
+              </a:rPr>
+              <a:t>Results l</a:t>
+            </a:r>
+            <a:endParaRPr lang="en-US" sz="5400" dirty="0">
+              <a:solidFill>
+                <a:srgbClr val="FFC000"/>
+              </a:solidFill>
+              <a:latin typeface="Chiller" pitchFamily="82" charset="0"/>
+            </a:endParaRPr>
+          </a:p>
+        </p:txBody>
+      </p:sp>
+      <p:sp>
+        <p:nvSpPr>
+          <p:cNvPr id="3" name="Content Placeholder 2"/>
+          <p:cNvSpPr>
+            <a:spLocks noGrp="1"/>
+          </p:cNvSpPr>
+          <p:nvPr>
+            <p:ph idx="1"/>
+          </p:nvPr>
+        </p:nvSpPr>
+        <p:spPr>
+          <a:xfrm>
+            <a:off x="381000" y="1371600"/>
+            <a:ext cx="8229600" cy="5257799"/>
+          </a:xfrm>
+        </p:spPr>
+        <p:txBody>
+          <a:bodyPr/>
+          <a:lstStyle/>
+          <a:p>
+            <a:r>
+              <a:rPr lang="en-US" sz="2400" dirty="0" smtClean="0">
+                <a:solidFill>
+                  <a:schemeClr val="accent6">
+                    <a:lumMod val="75000"/>
+                  </a:schemeClr>
+                </a:solidFill>
+              </a:rPr>
+              <a:t>Wall avoidance is highly dependent on:</a:t>
+            </a:r>
+          </a:p>
+          <a:p>
+            <a:pPr lvl="1"/>
+            <a:r>
+              <a:rPr lang="en-US" sz="2000" dirty="0" smtClean="0">
+                <a:solidFill>
+                  <a:schemeClr val="accent6"/>
+                </a:solidFill>
+              </a:rPr>
+              <a:t>Low maximum velocity</a:t>
+            </a:r>
+          </a:p>
+          <a:p>
+            <a:pPr lvl="1"/>
+            <a:r>
+              <a:rPr lang="en-US" sz="2000" dirty="0" smtClean="0">
+                <a:solidFill>
+                  <a:schemeClr val="accent6"/>
+                </a:solidFill>
+              </a:rPr>
+              <a:t>Sufficient sight range</a:t>
+            </a:r>
+          </a:p>
+          <a:p>
+            <a:pPr lvl="1"/>
+            <a:r>
+              <a:rPr lang="en-US" sz="2000" dirty="0" smtClean="0">
+                <a:solidFill>
+                  <a:schemeClr val="accent6"/>
+                </a:solidFill>
+              </a:rPr>
+              <a:t>An exponential repulsion force</a:t>
+            </a:r>
+            <a:endParaRPr lang="en-US" sz="2000" dirty="0" smtClean="0">
+              <a:solidFill>
+                <a:schemeClr val="accent6"/>
+              </a:solidFill>
+            </a:endParaRPr>
+          </a:p>
+          <a:p>
+            <a:endParaRPr lang="en-US" sz="2400" dirty="0" smtClean="0">
+              <a:solidFill>
+                <a:schemeClr val="accent6">
+                  <a:lumMod val="75000"/>
+                </a:schemeClr>
+              </a:solidFill>
+            </a:endParaRPr>
+          </a:p>
+          <a:p>
+            <a:pPr algn="just"/>
+            <a:r>
+              <a:rPr lang="en-US" sz="2400" dirty="0" smtClean="0">
+                <a:solidFill>
+                  <a:schemeClr val="accent6">
+                    <a:lumMod val="75000"/>
+                  </a:schemeClr>
+                </a:solidFill>
+              </a:rPr>
+              <a:t>Spirals form when the speed of the zombies and humans are equivalent</a:t>
+            </a:r>
+            <a:endParaRPr lang="en-US" sz="2400" dirty="0" smtClean="0">
+              <a:solidFill>
+                <a:schemeClr val="accent6">
+                  <a:lumMod val="75000"/>
+                </a:schemeClr>
+              </a:solidFill>
+            </a:endParaRPr>
+          </a:p>
+          <a:p>
+            <a:pPr algn="just"/>
+            <a:endParaRPr lang="en-US" sz="2400" dirty="0" smtClean="0">
+              <a:solidFill>
+                <a:schemeClr val="accent6">
+                  <a:lumMod val="75000"/>
+                </a:schemeClr>
+              </a:solidFill>
+            </a:endParaRPr>
+          </a:p>
+          <a:p>
+            <a:pPr algn="just"/>
+            <a:endParaRPr lang="en-US" dirty="0"/>
+          </a:p>
+        </p:txBody>
+      </p:sp>
+      <p:cxnSp>
+        <p:nvCxnSpPr>
+          <p:cNvPr id="5" name="Straight Connector 4"/>
+          <p:cNvCxnSpPr/>
+          <p:nvPr/>
+        </p:nvCxnSpPr>
+        <p:spPr>
+          <a:xfrm flipH="1">
+            <a:off x="4038600" y="1143001"/>
+            <a:ext cx="4572000" cy="1"/>
+          </a:xfrm>
+          <a:prstGeom prst="line">
+            <a:avLst/>
+          </a:prstGeom>
+          <a:ln w="57150">
+            <a:solidFill>
+              <a:schemeClr val="accent6">
+                <a:lumMod val="50000"/>
+              </a:schemeClr>
+            </a:solidFill>
+          </a:ln>
+        </p:spPr>
+        <p:style>
+          <a:lnRef idx="1">
+            <a:schemeClr val="accent1"/>
+          </a:lnRef>
+          <a:fillRef idx="0">
+            <a:schemeClr val="accent1"/>
+          </a:fillRef>
+          <a:effectRef idx="0">
+            <a:schemeClr val="accent1"/>
+          </a:effectRef>
+          <a:fontRef idx="minor">
+            <a:schemeClr val="tx1"/>
+          </a:fontRef>
+        </p:style>
+      </p:cxnSp>
+      <p:pic>
+        <p:nvPicPr>
+          <p:cNvPr id="2050" name="Picture 2"/>
+          <p:cNvPicPr>
+            <a:picLocks noChangeAspect="1" noChangeArrowheads="1"/>
+          </p:cNvPicPr>
+          <p:nvPr/>
+        </p:nvPicPr>
+        <p:blipFill>
+          <a:blip r:embed="rId3">
+            <a:extLst>
+              <a:ext uri="{28A0092B-C50C-407E-A947-70E740481C1C}">
+                <a14:useLocalDpi xmlns:a14="http://schemas.microsoft.com/office/drawing/2010/main" val="0"/>
+              </a:ext>
+            </a:extLst>
+          </a:blip>
+          <a:srcRect/>
+          <a:stretch>
+            <a:fillRect/>
+          </a:stretch>
+        </p:blipFill>
+        <p:spPr bwMode="auto">
+          <a:xfrm>
+            <a:off x="2362200" y="4343400"/>
+            <a:ext cx="962025" cy="762000"/>
+          </a:xfrm>
+          <a:prstGeom prst="rect">
+            <a:avLst/>
+          </a:prstGeom>
+          <a:noFill/>
+          <a:ln>
+            <a:noFill/>
+          </a:ln>
+          <a:effectLst/>
+          <a:extLst>
+            <a:ext uri="{909E8E84-426E-40DD-AFC4-6F175D3DCCD1}">
+              <a14:hiddenFill xmlns:a14="http://schemas.microsoft.com/office/drawing/2010/main">
+                <a:solidFill>
+                  <a:schemeClr val="accent1"/>
+                </a:solidFill>
+              </a14:hiddenFill>
+            </a:ext>
+            <a:ext uri="{91240B29-F687-4F45-9708-019B960494DF}">
+              <a14:hiddenLine xmlns:a14="http://schemas.microsoft.com/office/drawing/2010/main" w="9525">
+                <a:solidFill>
+                  <a:schemeClr val="tx1"/>
+                </a:solidFill>
+                <a:miter lim="800000"/>
+                <a:headEnd/>
+                <a:tailEnd/>
+              </a14:hiddenLine>
+            </a:ext>
+            <a:ext uri="{AF507438-7753-43E0-B8FC-AC1667EBCBE1}">
+              <a14:hiddenEffects xmlns:a14="http://schemas.microsoft.com/office/drawing/2010/main">
+                <a:effectLst>
+                  <a:outerShdw dist="35921" dir="2700000" algn="ctr" rotWithShape="0">
+                    <a:schemeClr val="bg2"/>
+                  </a:outerShdw>
+                </a:effectLst>
+              </a14:hiddenEffects>
+            </a:ext>
+          </a:extLst>
+        </p:spPr>
+      </p:pic>
+      <p:pic>
+        <p:nvPicPr>
+          <p:cNvPr id="2051" name="Picture 3"/>
+          <p:cNvPicPr>
+            <a:picLocks noChangeAspect="1" noChangeArrowheads="1"/>
+          </p:cNvPicPr>
+          <p:nvPr/>
+        </p:nvPicPr>
+        <p:blipFill>
+          <a:blip r:embed="rId4">
+            <a:extLst>
+              <a:ext uri="{28A0092B-C50C-407E-A947-70E740481C1C}">
+                <a14:useLocalDpi xmlns:a14="http://schemas.microsoft.com/office/drawing/2010/main" val="0"/>
+              </a:ext>
+            </a:extLst>
+          </a:blip>
+          <a:srcRect/>
+          <a:stretch>
+            <a:fillRect/>
+          </a:stretch>
+        </p:blipFill>
+        <p:spPr bwMode="auto">
+          <a:xfrm>
+            <a:off x="4143375" y="4267200"/>
+            <a:ext cx="876300" cy="828675"/>
+          </a:xfrm>
+          <a:prstGeom prst="rect">
+            <a:avLst/>
+          </a:prstGeom>
+          <a:noFill/>
+          <a:ln>
+            <a:noFill/>
+          </a:ln>
+          <a:effectLst/>
+          <a:extLst>
+            <a:ext uri="{909E8E84-426E-40DD-AFC4-6F175D3DCCD1}">
+              <a14:hiddenFill xmlns:a14="http://schemas.microsoft.com/office/drawing/2010/main">
+                <a:solidFill>
+                  <a:schemeClr val="accent1"/>
+                </a:solidFill>
+              </a14:hiddenFill>
+            </a:ext>
+            <a:ext uri="{91240B29-F687-4F45-9708-019B960494DF}">
+              <a14:hiddenLine xmlns:a14="http://schemas.microsoft.com/office/drawing/2010/main" w="9525">
+                <a:solidFill>
+                  <a:schemeClr val="tx1"/>
+                </a:solidFill>
+                <a:miter lim="800000"/>
+                <a:headEnd/>
+                <a:tailEnd/>
+              </a14:hiddenLine>
+            </a:ext>
+            <a:ext uri="{AF507438-7753-43E0-B8FC-AC1667EBCBE1}">
+              <a14:hiddenEffects xmlns:a14="http://schemas.microsoft.com/office/drawing/2010/main">
+                <a:effectLst>
+                  <a:outerShdw dist="35921" dir="2700000" algn="ctr" rotWithShape="0">
+                    <a:schemeClr val="bg2"/>
+                  </a:outerShdw>
+                </a:effectLst>
+              </a14:hiddenEffects>
+            </a:ext>
+          </a:extLst>
+        </p:spPr>
+      </p:pic>
+      <p:pic>
+        <p:nvPicPr>
+          <p:cNvPr id="2052" name="Picture 4"/>
+          <p:cNvPicPr>
+            <a:picLocks noChangeAspect="1" noChangeArrowheads="1"/>
+          </p:cNvPicPr>
+          <p:nvPr/>
+        </p:nvPicPr>
+        <p:blipFill>
+          <a:blip r:embed="rId5">
+            <a:extLst>
+              <a:ext uri="{28A0092B-C50C-407E-A947-70E740481C1C}">
+                <a14:useLocalDpi xmlns:a14="http://schemas.microsoft.com/office/drawing/2010/main" val="0"/>
+              </a:ext>
+            </a:extLst>
+          </a:blip>
+          <a:srcRect/>
+          <a:stretch>
+            <a:fillRect/>
+          </a:stretch>
+        </p:blipFill>
+        <p:spPr bwMode="auto">
+          <a:xfrm>
+            <a:off x="5791200" y="4210050"/>
+            <a:ext cx="990600" cy="819150"/>
+          </a:xfrm>
+          <a:prstGeom prst="rect">
+            <a:avLst/>
+          </a:prstGeom>
+          <a:noFill/>
+          <a:ln>
+            <a:noFill/>
+          </a:ln>
+          <a:effectLst/>
+          <a:extLst>
+            <a:ext uri="{909E8E84-426E-40DD-AFC4-6F175D3DCCD1}">
+              <a14:hiddenFill xmlns:a14="http://schemas.microsoft.com/office/drawing/2010/main">
+                <a:solidFill>
+                  <a:schemeClr val="accent1"/>
+                </a:solidFill>
+              </a14:hiddenFill>
+            </a:ext>
+            <a:ext uri="{91240B29-F687-4F45-9708-019B960494DF}">
+              <a14:hiddenLine xmlns:a14="http://schemas.microsoft.com/office/drawing/2010/main" w="9525">
+                <a:solidFill>
+                  <a:schemeClr val="tx1"/>
+                </a:solidFill>
+                <a:miter lim="800000"/>
+                <a:headEnd/>
+                <a:tailEnd/>
+              </a14:hiddenLine>
+            </a:ext>
+            <a:ext uri="{AF507438-7753-43E0-B8FC-AC1667EBCBE1}">
+              <a14:hiddenEffects xmlns:a14="http://schemas.microsoft.com/office/drawing/2010/main">
+                <a:effectLst>
+                  <a:outerShdw dist="35921" dir="2700000" algn="ctr" rotWithShape="0">
+                    <a:schemeClr val="bg2"/>
+                  </a:outerShdw>
+                </a:effectLst>
+              </a14:hiddenEffects>
+            </a:ext>
+          </a:extLst>
+        </p:spPr>
+      </p:pic>
+    </p:spTree>
+    <p:extLst>
+      <p:ext uri="{BB962C8B-B14F-4D97-AF65-F5344CB8AC3E}">
+        <p14:creationId xmlns:p14="http://schemas.microsoft.com/office/powerpoint/2010/main" val="2390116749"/>
+      </p:ext>
+    </p:extLst>
+  </p:cSld>
+  <p:clrMapOvr>
+    <a:masterClrMapping/>
+  </p:clrMapOvr>
+  <p:timing>
+    <p:tnLst>
+      <p:par>
+        <p:cTn id="1" dur="indefinite" restart="never" nodeType="tmRoot"/>
+      </p:par>
+    </p:tnLst>
+  </p:timing>
+</p:sld>
+</file>
+
+<file path=ppt/slides/slide11.xml><?xml version="1.0" encoding="utf-8"?>
+<p:sld xmlns:a="http://schemas.openxmlformats.org/drawingml/2006/main" xmlns:r="http://schemas.openxmlformats.org/officeDocument/2006/relationships" xmlns:p="http://schemas.openxmlformats.org/presentationml/2006/main">
+  <p:cSld>
+    <p:bg>
+      <p:bgPr>
+        <a:solidFill>
+          <a:schemeClr val="tx1"/>
+        </a:solidFill>
+        <a:effectLst/>
+      </p:bgPr>
+    </p:bg>
+    <p:spTree>
+      <p:nvGrpSpPr>
+        <p:cNvPr id="1" name=""/>
+        <p:cNvGrpSpPr/>
+        <p:nvPr/>
+      </p:nvGrpSpPr>
+      <p:grpSpPr>
+        <a:xfrm>
+          <a:off x="0" y="0"/>
+          <a:ext cx="0" cy="0"/>
+          <a:chOff x="0" y="0"/>
+          <a:chExt cx="0" cy="0"/>
+        </a:xfrm>
+      </p:grpSpPr>
+      <p:sp>
+        <p:nvSpPr>
+          <p:cNvPr id="2" name="Title 1"/>
+          <p:cNvSpPr>
+            <a:spLocks noGrp="1"/>
+          </p:cNvSpPr>
+          <p:nvPr>
+            <p:ph type="title"/>
+          </p:nvPr>
+        </p:nvSpPr>
+        <p:spPr/>
+        <p:txBody>
+          <a:bodyPr>
+            <a:normAutofit/>
+          </a:bodyPr>
+          <a:lstStyle/>
+          <a:p>
+            <a:pPr algn="l"/>
+            <a:r>
+              <a:rPr lang="en-US" sz="5400" dirty="0" smtClean="0">
+                <a:solidFill>
+                  <a:srgbClr val="FFC000"/>
+                </a:solidFill>
+                <a:latin typeface="Chiller" pitchFamily="82" charset="0"/>
+              </a:rPr>
+              <a:t>Application Extensions</a:t>
+            </a:r>
+            <a:endParaRPr lang="en-US" sz="5400" dirty="0">
+              <a:solidFill>
+                <a:srgbClr val="FFC000"/>
+              </a:solidFill>
+              <a:latin typeface="Chiller" pitchFamily="82" charset="0"/>
+            </a:endParaRPr>
+          </a:p>
+        </p:txBody>
+      </p:sp>
+      <p:sp>
+        <p:nvSpPr>
+          <p:cNvPr id="3" name="Content Placeholder 2"/>
+          <p:cNvSpPr>
+            <a:spLocks noGrp="1"/>
+          </p:cNvSpPr>
+          <p:nvPr>
+            <p:ph idx="1"/>
+          </p:nvPr>
+        </p:nvSpPr>
+        <p:spPr>
+          <a:xfrm>
+            <a:off x="457200" y="1447800"/>
+            <a:ext cx="8229600" cy="4953000"/>
+          </a:xfrm>
+        </p:spPr>
+        <p:txBody>
+          <a:bodyPr>
+            <a:normAutofit/>
+          </a:bodyPr>
+          <a:lstStyle/>
+          <a:p>
+            <a:r>
+              <a:rPr lang="en-US" sz="2400" dirty="0" smtClean="0">
+                <a:solidFill>
+                  <a:schemeClr val="accent6">
+                    <a:lumMod val="75000"/>
+                  </a:schemeClr>
+                </a:solidFill>
+              </a:rPr>
+              <a:t>The system could be extended to be an approach modeling the spread of infectious contact-based diseases </a:t>
+            </a:r>
+          </a:p>
+          <a:p>
+            <a:pPr lvl="1"/>
+            <a:r>
+              <a:rPr lang="en-US" sz="2000" dirty="0" smtClean="0">
+                <a:solidFill>
+                  <a:schemeClr val="accent6"/>
+                </a:solidFill>
+              </a:rPr>
+              <a:t>Modify zombie agents to act like normal humans </a:t>
+            </a:r>
+          </a:p>
+          <a:p>
+            <a:pPr lvl="1"/>
+            <a:r>
+              <a:rPr lang="en-US" sz="2000" dirty="0" smtClean="0">
+                <a:solidFill>
+                  <a:schemeClr val="accent6"/>
+                </a:solidFill>
+              </a:rPr>
+              <a:t>During contact with uninfected humans use a probability to pass disease along</a:t>
+            </a:r>
+          </a:p>
+          <a:p>
+            <a:pPr lvl="1"/>
+            <a:r>
+              <a:rPr lang="en-US" sz="2000" dirty="0" smtClean="0">
+                <a:solidFill>
+                  <a:schemeClr val="accent6"/>
+                </a:solidFill>
+              </a:rPr>
+              <a:t>Using pre-existing wall structures to model:</a:t>
+            </a:r>
+          </a:p>
+          <a:p>
+            <a:pPr lvl="2"/>
+            <a:r>
+              <a:rPr lang="en-US" sz="1600" dirty="0" smtClean="0">
+                <a:solidFill>
+                  <a:schemeClr val="accent6"/>
+                </a:solidFill>
+              </a:rPr>
+              <a:t>Airports</a:t>
+            </a:r>
+          </a:p>
+          <a:p>
+            <a:pPr lvl="2"/>
+            <a:r>
+              <a:rPr lang="en-US" sz="1600" dirty="0" smtClean="0">
+                <a:solidFill>
+                  <a:schemeClr val="accent6"/>
+                </a:solidFill>
+              </a:rPr>
+              <a:t>Bus stations</a:t>
+            </a:r>
+          </a:p>
+          <a:p>
+            <a:pPr lvl="2"/>
+            <a:r>
+              <a:rPr lang="en-US" sz="1600" dirty="0" smtClean="0">
+                <a:solidFill>
+                  <a:schemeClr val="accent6"/>
+                </a:solidFill>
+              </a:rPr>
+              <a:t>Train stations</a:t>
+            </a:r>
+          </a:p>
+          <a:p>
+            <a:pPr lvl="2"/>
+            <a:r>
+              <a:rPr lang="en-US" sz="1600" dirty="0" smtClean="0">
+                <a:solidFill>
+                  <a:schemeClr val="accent6"/>
+                </a:solidFill>
+              </a:rPr>
+              <a:t>Schools</a:t>
+            </a:r>
+          </a:p>
+          <a:p>
+            <a:pPr lvl="2"/>
+            <a:r>
+              <a:rPr lang="en-US" sz="1600" dirty="0" smtClean="0">
+                <a:solidFill>
+                  <a:schemeClr val="accent6"/>
+                </a:solidFill>
+              </a:rPr>
+              <a:t>Hospitals</a:t>
+            </a:r>
+          </a:p>
+          <a:p>
+            <a:pPr lvl="2"/>
+            <a:r>
+              <a:rPr lang="en-US" sz="1600" dirty="0" smtClean="0">
+                <a:solidFill>
+                  <a:schemeClr val="accent6"/>
+                </a:solidFill>
+              </a:rPr>
+              <a:t>Office environments</a:t>
+            </a:r>
+          </a:p>
+          <a:p>
+            <a:pPr lvl="1"/>
+            <a:endParaRPr lang="en-US" sz="1600" dirty="0" smtClean="0">
+              <a:solidFill>
+                <a:schemeClr val="accent6"/>
+              </a:solidFill>
+            </a:endParaRPr>
+          </a:p>
+          <a:p>
+            <a:endParaRPr lang="en-US" sz="2400" dirty="0" smtClean="0">
+              <a:solidFill>
+                <a:schemeClr val="accent6"/>
+              </a:solidFill>
+            </a:endParaRPr>
+          </a:p>
+          <a:p>
+            <a:pPr algn="just"/>
+            <a:endParaRPr lang="en-US" sz="2400" dirty="0" smtClean="0">
+              <a:solidFill>
+                <a:schemeClr val="accent6">
+                  <a:lumMod val="75000"/>
+                </a:schemeClr>
+              </a:solidFill>
+            </a:endParaRPr>
+          </a:p>
+          <a:p>
+            <a:pPr algn="just"/>
+            <a:endParaRPr lang="en-US" sz="2400" dirty="0" smtClean="0">
+              <a:solidFill>
+                <a:schemeClr val="accent6">
+                  <a:lumMod val="75000"/>
+                </a:schemeClr>
+              </a:solidFill>
+            </a:endParaRPr>
+          </a:p>
+          <a:p>
+            <a:pPr algn="just"/>
+            <a:endParaRPr lang="en-US" dirty="0"/>
+          </a:p>
+        </p:txBody>
+      </p:sp>
+      <p:cxnSp>
+        <p:nvCxnSpPr>
+          <p:cNvPr id="5" name="Straight Connector 4"/>
+          <p:cNvCxnSpPr/>
+          <p:nvPr/>
+        </p:nvCxnSpPr>
+        <p:spPr>
+          <a:xfrm flipH="1" flipV="1">
+            <a:off x="533400" y="1143001"/>
+            <a:ext cx="4876800" cy="1"/>
+          </a:xfrm>
+          <a:prstGeom prst="line">
+            <a:avLst/>
+          </a:prstGeom>
+          <a:ln w="57150">
+            <a:solidFill>
+              <a:schemeClr val="accent6">
+                <a:lumMod val="50000"/>
+              </a:schemeClr>
+            </a:solidFill>
+          </a:ln>
+        </p:spPr>
+        <p:style>
+          <a:lnRef idx="1">
+            <a:schemeClr val="accent1"/>
+          </a:lnRef>
+          <a:fillRef idx="0">
+            <a:schemeClr val="accent1"/>
+          </a:fillRef>
+          <a:effectRef idx="0">
+            <a:schemeClr val="accent1"/>
+          </a:effectRef>
+          <a:fontRef idx="minor">
+            <a:schemeClr val="tx1"/>
+          </a:fontRef>
+        </p:style>
+      </p:cxnSp>
+      <p:cxnSp>
+        <p:nvCxnSpPr>
+          <p:cNvPr id="6" name="Straight Connector 5"/>
+          <p:cNvCxnSpPr/>
+          <p:nvPr/>
+        </p:nvCxnSpPr>
+        <p:spPr>
+          <a:xfrm flipH="1">
+            <a:off x="533400" y="1143000"/>
+            <a:ext cx="2209800" cy="0"/>
+          </a:xfrm>
+          <a:prstGeom prst="line">
+            <a:avLst/>
+          </a:prstGeom>
+          <a:ln w="57150">
+            <a:solidFill>
+              <a:schemeClr val="accent6"/>
+            </a:solidFill>
+          </a:ln>
+        </p:spPr>
+        <p:style>
+          <a:lnRef idx="1">
+            <a:schemeClr val="accent1"/>
+          </a:lnRef>
+          <a:fillRef idx="0">
+            <a:schemeClr val="accent1"/>
+          </a:fillRef>
+          <a:effectRef idx="0">
+            <a:schemeClr val="accent1"/>
+          </a:effectRef>
+          <a:fontRef idx="minor">
+            <a:schemeClr val="tx1"/>
+          </a:fontRef>
+        </p:style>
+      </p:cxnSp>
+    </p:spTree>
+  </p:cSld>
+  <p:clrMapOvr>
+    <a:masterClrMapping/>
+  </p:clrMapOvr>
+  <p:timing>
+    <p:tnLst>
+      <p:par>
+        <p:cTn id="1" dur="indefinite" restart="never" nodeType="tmRoot"/>
+      </p:par>
+    </p:tnLst>
+  </p:timing>
+</p:sld>
+</file>
+
+<file path=ppt/slides/slide12.xml><?xml version="1.0" encoding="utf-8"?>
+<p:sld xmlns:a="http://schemas.openxmlformats.org/drawingml/2006/main" xmlns:r="http://schemas.openxmlformats.org/officeDocument/2006/relationships" xmlns:p="http://schemas.openxmlformats.org/presentationml/2006/main">
+  <p:cSld>
+    <p:bg>
+      <p:bgPr>
+        <a:solidFill>
+          <a:schemeClr val="tx1"/>
+        </a:solidFill>
+        <a:effectLst/>
+      </p:bgPr>
+    </p:bg>
+    <p:spTree>
+      <p:nvGrpSpPr>
+        <p:cNvPr id="1" name=""/>
+        <p:cNvGrpSpPr/>
+        <p:nvPr/>
+      </p:nvGrpSpPr>
+      <p:grpSpPr>
+        <a:xfrm>
+          <a:off x="0" y="0"/>
+          <a:ext cx="0" cy="0"/>
+          <a:chOff x="0" y="0"/>
+          <a:chExt cx="0" cy="0"/>
+        </a:xfrm>
+      </p:grpSpPr>
+      <p:sp>
+        <p:nvSpPr>
+          <p:cNvPr id="2" name="Title 1"/>
+          <p:cNvSpPr>
+            <a:spLocks noGrp="1"/>
+          </p:cNvSpPr>
+          <p:nvPr>
+            <p:ph type="title"/>
+          </p:nvPr>
+        </p:nvSpPr>
+        <p:spPr/>
+        <p:txBody>
+          <a:bodyPr>
+            <a:normAutofit/>
+          </a:bodyPr>
+          <a:lstStyle/>
+          <a:p>
+            <a:pPr algn="l"/>
+            <a:r>
+              <a:rPr lang="en-US" sz="5400" dirty="0">
+                <a:solidFill>
+                  <a:srgbClr val="FFC000"/>
+                </a:solidFill>
+                <a:latin typeface="Chiller" pitchFamily="82" charset="0"/>
+              </a:rPr>
+              <a:t>Application Extensions </a:t>
+            </a:r>
+            <a:r>
+              <a:rPr lang="en-US" sz="5400" dirty="0" err="1" smtClean="0">
+                <a:solidFill>
+                  <a:srgbClr val="FFC000"/>
+                </a:solidFill>
+                <a:latin typeface="Chiller" pitchFamily="82" charset="0"/>
+              </a:rPr>
+              <a:t>ll</a:t>
+            </a:r>
+            <a:endParaRPr lang="en-US" sz="5400" dirty="0">
+              <a:solidFill>
+                <a:srgbClr val="FFC000"/>
+              </a:solidFill>
+              <a:latin typeface="Chiller" pitchFamily="82" charset="0"/>
+            </a:endParaRPr>
+          </a:p>
+        </p:txBody>
+      </p:sp>
+      <p:sp>
+        <p:nvSpPr>
+          <p:cNvPr id="3" name="Content Placeholder 2"/>
+          <p:cNvSpPr>
+            <a:spLocks noGrp="1"/>
+          </p:cNvSpPr>
+          <p:nvPr>
+            <p:ph idx="1"/>
+          </p:nvPr>
+        </p:nvSpPr>
+        <p:spPr>
+          <a:xfrm>
+            <a:off x="457200" y="1447800"/>
+            <a:ext cx="8229600" cy="4953000"/>
+          </a:xfrm>
+        </p:spPr>
+        <p:txBody>
+          <a:bodyPr>
+            <a:normAutofit/>
+          </a:bodyPr>
+          <a:lstStyle/>
+          <a:p>
+            <a:r>
+              <a:rPr lang="en-US" sz="2400" dirty="0" smtClean="0">
+                <a:solidFill>
+                  <a:schemeClr val="accent6">
+                    <a:lumMod val="75000"/>
+                  </a:schemeClr>
+                </a:solidFill>
+              </a:rPr>
+              <a:t>The system could be used to model attack scenarios for military applications</a:t>
+            </a:r>
+          </a:p>
+          <a:p>
+            <a:pPr lvl="1"/>
+            <a:r>
+              <a:rPr lang="en-US" sz="2000" dirty="0" smtClean="0">
+                <a:solidFill>
+                  <a:schemeClr val="accent6"/>
+                </a:solidFill>
+              </a:rPr>
+              <a:t>Modify zombie agents to act like the aggressors </a:t>
+            </a:r>
+          </a:p>
+          <a:p>
+            <a:pPr lvl="1"/>
+            <a:r>
+              <a:rPr lang="en-US" sz="2000" dirty="0" smtClean="0">
+                <a:solidFill>
+                  <a:schemeClr val="accent6"/>
+                </a:solidFill>
+              </a:rPr>
+              <a:t>Provide more realistic weaponry to locals and/or aggressors</a:t>
+            </a:r>
+          </a:p>
+          <a:p>
+            <a:pPr lvl="1"/>
+            <a:r>
+              <a:rPr lang="en-US" sz="2000" dirty="0" smtClean="0">
+                <a:solidFill>
+                  <a:schemeClr val="accent6"/>
+                </a:solidFill>
+              </a:rPr>
+              <a:t>Form village structure or city structure from satellite or other data</a:t>
+            </a:r>
+            <a:endParaRPr lang="en-US" sz="2000" dirty="0">
+              <a:solidFill>
+                <a:schemeClr val="accent6"/>
+              </a:solidFill>
+            </a:endParaRPr>
+          </a:p>
+          <a:p>
+            <a:pPr lvl="1"/>
+            <a:r>
+              <a:rPr lang="en-US" sz="2000" dirty="0" smtClean="0">
+                <a:solidFill>
+                  <a:schemeClr val="accent6"/>
+                </a:solidFill>
+              </a:rPr>
+              <a:t>Can simulate a number of different military skirmishes and attack styles dependent on how the flocking of both sides is controlled</a:t>
+            </a:r>
+          </a:p>
+          <a:p>
+            <a:pPr lvl="1"/>
+            <a:r>
+              <a:rPr lang="en-US" sz="2000" dirty="0" smtClean="0">
+                <a:solidFill>
+                  <a:schemeClr val="accent6"/>
+                </a:solidFill>
+              </a:rPr>
+              <a:t>Could yield potential tactical data</a:t>
+            </a:r>
+            <a:endParaRPr lang="en-US" sz="1600" dirty="0" smtClean="0">
+              <a:solidFill>
+                <a:schemeClr val="accent6"/>
+              </a:solidFill>
+            </a:endParaRPr>
+          </a:p>
+          <a:p>
+            <a:endParaRPr lang="en-US" sz="2400" dirty="0" smtClean="0">
+              <a:solidFill>
+                <a:schemeClr val="accent6"/>
+              </a:solidFill>
+            </a:endParaRPr>
+          </a:p>
+          <a:p>
+            <a:pPr algn="just"/>
+            <a:endParaRPr lang="en-US" sz="2400" dirty="0" smtClean="0">
+              <a:solidFill>
+                <a:schemeClr val="accent6">
+                  <a:lumMod val="75000"/>
+                </a:schemeClr>
+              </a:solidFill>
+            </a:endParaRPr>
+          </a:p>
+          <a:p>
+            <a:pPr algn="just"/>
+            <a:endParaRPr lang="en-US" sz="2400" dirty="0" smtClean="0">
+              <a:solidFill>
+                <a:schemeClr val="accent6">
+                  <a:lumMod val="75000"/>
+                </a:schemeClr>
+              </a:solidFill>
+            </a:endParaRPr>
+          </a:p>
+          <a:p>
+            <a:pPr algn="just"/>
+            <a:endParaRPr lang="en-US" dirty="0"/>
+          </a:p>
+        </p:txBody>
+      </p:sp>
+      <p:cxnSp>
+        <p:nvCxnSpPr>
+          <p:cNvPr id="5" name="Straight Connector 4"/>
+          <p:cNvCxnSpPr/>
+          <p:nvPr/>
+        </p:nvCxnSpPr>
+        <p:spPr>
+          <a:xfrm flipH="1" flipV="1">
+            <a:off x="533400" y="1143001"/>
+            <a:ext cx="5105400" cy="1"/>
+          </a:xfrm>
+          <a:prstGeom prst="line">
+            <a:avLst/>
+          </a:prstGeom>
+          <a:ln w="57150">
+            <a:solidFill>
+              <a:schemeClr val="accent6">
+                <a:lumMod val="50000"/>
+              </a:schemeClr>
+            </a:solidFill>
+          </a:ln>
+        </p:spPr>
+        <p:style>
+          <a:lnRef idx="1">
+            <a:schemeClr val="accent1"/>
+          </a:lnRef>
+          <a:fillRef idx="0">
+            <a:schemeClr val="accent1"/>
+          </a:fillRef>
+          <a:effectRef idx="0">
+            <a:schemeClr val="accent1"/>
+          </a:effectRef>
+          <a:fontRef idx="minor">
+            <a:schemeClr val="tx1"/>
+          </a:fontRef>
+        </p:style>
+      </p:cxnSp>
+      <p:cxnSp>
+        <p:nvCxnSpPr>
+          <p:cNvPr id="6" name="Straight Connector 5"/>
+          <p:cNvCxnSpPr/>
+          <p:nvPr/>
+        </p:nvCxnSpPr>
+        <p:spPr>
+          <a:xfrm flipH="1">
+            <a:off x="533400" y="1143000"/>
+            <a:ext cx="2209800" cy="0"/>
+          </a:xfrm>
+          <a:prstGeom prst="line">
+            <a:avLst/>
+          </a:prstGeom>
+          <a:ln w="57150">
+            <a:solidFill>
+              <a:schemeClr val="accent6"/>
+            </a:solidFill>
+          </a:ln>
+        </p:spPr>
+        <p:style>
+          <a:lnRef idx="1">
+            <a:schemeClr val="accent1"/>
+          </a:lnRef>
+          <a:fillRef idx="0">
+            <a:schemeClr val="accent1"/>
+          </a:fillRef>
+          <a:effectRef idx="0">
+            <a:schemeClr val="accent1"/>
+          </a:effectRef>
+          <a:fontRef idx="minor">
+            <a:schemeClr val="tx1"/>
+          </a:fontRef>
+        </p:style>
+      </p:cxnSp>
+    </p:spTree>
+    <p:extLst>
+      <p:ext uri="{BB962C8B-B14F-4D97-AF65-F5344CB8AC3E}">
+        <p14:creationId xmlns:p14="http://schemas.microsoft.com/office/powerpoint/2010/main" val="1886486236"/>
+      </p:ext>
+    </p:extLst>
+  </p:cSld>
+  <p:clrMapOvr>
+    <a:masterClrMapping/>
+  </p:clrMapOvr>
+  <p:timing>
+    <p:tnLst>
+      <p:par>
+        <p:cTn id="1" dur="indefinite" restart="never" nodeType="tmRoot"/>
+      </p:par>
+    </p:tnLst>
+  </p:timing>
+</p:sld>
+</file>
+
 <file path=ppt/slides/slide2.xml><?xml version="1.0" encoding="utf-8"?>
 <p:sld xmlns:a="http://schemas.openxmlformats.org/drawingml/2006/main" xmlns:r="http://schemas.openxmlformats.org/officeDocument/2006/relationships" xmlns:p="http://schemas.openxmlformats.org/presentationml/2006/main">
   <p:cSld>
@@ -4799,6 +6724,13 @@
   <p:clrMapOvr>
     <a:masterClrMapping/>
   </p:clrMapOvr>
+  <p:timing>
+    <p:tnLst>
+      <p:par>
+        <p:cTn id="1" dur="indefinite" restart="never" nodeType="tmRoot"/>
+      </p:par>
+    </p:tnLst>
+  </p:timing>
 </p:sld>
 </file>
 
@@ -5103,10 +7035,480 @@
   <p:clrMapOvr>
     <a:masterClrMapping/>
   </p:clrMapOvr>
+  <p:timing>
+    <p:tnLst>
+      <p:par>
+        <p:cTn id="1" dur="indefinite" restart="never" nodeType="tmRoot"/>
+      </p:par>
+    </p:tnLst>
+  </p:timing>
 </p:sld>
 </file>
 
 <file path=ppt/slides/slide4.xml><?xml version="1.0" encoding="utf-8"?>
+<p:sld xmlns:a="http://schemas.openxmlformats.org/drawingml/2006/main" xmlns:r="http://schemas.openxmlformats.org/officeDocument/2006/relationships" xmlns:p="http://schemas.openxmlformats.org/presentationml/2006/main">
+  <p:cSld>
+    <p:bg>
+      <p:bgPr>
+        <a:solidFill>
+          <a:schemeClr val="tx1"/>
+        </a:solidFill>
+        <a:effectLst/>
+      </p:bgPr>
+    </p:bg>
+    <p:spTree>
+      <p:nvGrpSpPr>
+        <p:cNvPr id="1" name=""/>
+        <p:cNvGrpSpPr/>
+        <p:nvPr/>
+      </p:nvGrpSpPr>
+      <p:grpSpPr>
+        <a:xfrm>
+          <a:off x="0" y="0"/>
+          <a:ext cx="0" cy="0"/>
+          <a:chOff x="0" y="0"/>
+          <a:chExt cx="0" cy="0"/>
+        </a:xfrm>
+      </p:grpSpPr>
+      <p:cxnSp>
+        <p:nvCxnSpPr>
+          <p:cNvPr id="6" name="Straight Connector 5"/>
+          <p:cNvCxnSpPr/>
+          <p:nvPr/>
+        </p:nvCxnSpPr>
+        <p:spPr>
+          <a:xfrm>
+            <a:off x="3581400" y="990600"/>
+            <a:ext cx="4572000" cy="0"/>
+          </a:xfrm>
+          <a:prstGeom prst="line">
+            <a:avLst/>
+          </a:prstGeom>
+          <a:ln w="57150">
+            <a:solidFill>
+              <a:schemeClr val="accent6">
+                <a:lumMod val="50000"/>
+              </a:schemeClr>
+            </a:solidFill>
+          </a:ln>
+        </p:spPr>
+        <p:style>
+          <a:lnRef idx="1">
+            <a:schemeClr val="accent1"/>
+          </a:lnRef>
+          <a:fillRef idx="0">
+            <a:schemeClr val="accent1"/>
+          </a:fillRef>
+          <a:effectRef idx="0">
+            <a:schemeClr val="accent1"/>
+          </a:effectRef>
+          <a:fontRef idx="minor">
+            <a:schemeClr val="tx1"/>
+          </a:fontRef>
+        </p:style>
+      </p:cxnSp>
+      <p:sp>
+        <p:nvSpPr>
+          <p:cNvPr id="2" name="Title 1"/>
+          <p:cNvSpPr>
+            <a:spLocks noGrp="1"/>
+          </p:cNvSpPr>
+          <p:nvPr>
+            <p:ph type="title"/>
+          </p:nvPr>
+        </p:nvSpPr>
+        <p:spPr>
+          <a:xfrm>
+            <a:off x="533400" y="152400"/>
+            <a:ext cx="7620000" cy="1143000"/>
+          </a:xfrm>
+        </p:spPr>
+        <p:txBody>
+          <a:bodyPr>
+            <a:noAutofit/>
+          </a:bodyPr>
+          <a:lstStyle/>
+          <a:p>
+            <a:pPr algn="r"/>
+            <a:r>
+              <a:rPr lang="en-US" sz="4500" dirty="0" smtClean="0">
+                <a:solidFill>
+                  <a:srgbClr val="FFC000"/>
+                </a:solidFill>
+                <a:latin typeface="Chiller" pitchFamily="82" charset="0"/>
+                <a:cs typeface="Andalus" pitchFamily="18" charset="-78"/>
+              </a:rPr>
+              <a:t>Previous Work </a:t>
+            </a:r>
+            <a:r>
+              <a:rPr lang="en-US" sz="4500" dirty="0" err="1" smtClean="0">
+                <a:solidFill>
+                  <a:srgbClr val="FFC000"/>
+                </a:solidFill>
+                <a:latin typeface="Chiller" pitchFamily="82" charset="0"/>
+                <a:cs typeface="Andalus" pitchFamily="18" charset="-78"/>
+              </a:rPr>
+              <a:t>lll</a:t>
+            </a:r>
+            <a:endParaRPr lang="en-US" sz="4500" dirty="0">
+              <a:solidFill>
+                <a:srgbClr val="FFC000"/>
+              </a:solidFill>
+              <a:latin typeface="Chiller" pitchFamily="82" charset="0"/>
+              <a:cs typeface="Andalus" pitchFamily="18" charset="-78"/>
+            </a:endParaRPr>
+          </a:p>
+        </p:txBody>
+      </p:sp>
+      <p:cxnSp>
+        <p:nvCxnSpPr>
+          <p:cNvPr id="7" name="Straight Connector 6"/>
+          <p:cNvCxnSpPr/>
+          <p:nvPr/>
+        </p:nvCxnSpPr>
+        <p:spPr>
+          <a:xfrm>
+            <a:off x="5181600" y="990600"/>
+            <a:ext cx="2971800" cy="0"/>
+          </a:xfrm>
+          <a:prstGeom prst="line">
+            <a:avLst/>
+          </a:prstGeom>
+          <a:ln w="57150">
+            <a:solidFill>
+              <a:schemeClr val="accent6"/>
+            </a:solidFill>
+          </a:ln>
+        </p:spPr>
+        <p:style>
+          <a:lnRef idx="1">
+            <a:schemeClr val="accent1"/>
+          </a:lnRef>
+          <a:fillRef idx="0">
+            <a:schemeClr val="accent1"/>
+          </a:fillRef>
+          <a:effectRef idx="0">
+            <a:schemeClr val="accent1"/>
+          </a:effectRef>
+          <a:fontRef idx="minor">
+            <a:schemeClr val="tx1"/>
+          </a:fontRef>
+        </p:style>
+      </p:cxnSp>
+      <p:sp>
+        <p:nvSpPr>
+          <p:cNvPr id="9" name="Content Placeholder 2"/>
+          <p:cNvSpPr txBox="1">
+            <a:spLocks/>
+          </p:cNvSpPr>
+          <p:nvPr/>
+        </p:nvSpPr>
+        <p:spPr>
+          <a:xfrm>
+            <a:off x="685800" y="1219200"/>
+            <a:ext cx="8001000" cy="5334000"/>
+          </a:xfrm>
+          <a:prstGeom prst="rect">
+            <a:avLst/>
+          </a:prstGeom>
+        </p:spPr>
+        <p:txBody>
+          <a:bodyPr vert="horz" lIns="91440" tIns="45720" rIns="91440" bIns="45720" rtlCol="0">
+            <a:normAutofit/>
+          </a:bodyPr>
+          <a:lstStyle>
+            <a:lvl1pPr marL="342900" indent="-342900" algn="l" defTabSz="914400" rtl="0" eaLnBrk="1" latinLnBrk="0" hangingPunct="1">
+              <a:spcBef>
+                <a:spcPct val="20000"/>
+              </a:spcBef>
+              <a:buFont typeface="Arial" pitchFamily="34" charset="0"/>
+              <a:buChar char="•"/>
+              <a:defRPr sz="3200" kern="1200">
+                <a:solidFill>
+                  <a:schemeClr val="tx1"/>
+                </a:solidFill>
+                <a:latin typeface="+mn-lt"/>
+                <a:ea typeface="+mn-ea"/>
+                <a:cs typeface="+mn-cs"/>
+              </a:defRPr>
+            </a:lvl1pPr>
+            <a:lvl2pPr marL="742950" indent="-285750" algn="l" defTabSz="914400" rtl="0" eaLnBrk="1" latinLnBrk="0" hangingPunct="1">
+              <a:spcBef>
+                <a:spcPct val="20000"/>
+              </a:spcBef>
+              <a:buFont typeface="Arial" pitchFamily="34" charset="0"/>
+              <a:buChar char="–"/>
+              <a:defRPr sz="2800" kern="1200">
+                <a:solidFill>
+                  <a:schemeClr val="tx1"/>
+                </a:solidFill>
+                <a:latin typeface="+mn-lt"/>
+                <a:ea typeface="+mn-ea"/>
+                <a:cs typeface="+mn-cs"/>
+              </a:defRPr>
+            </a:lvl2pPr>
+            <a:lvl3pPr marL="1143000" indent="-228600" algn="l" defTabSz="914400" rtl="0" eaLnBrk="1" latinLnBrk="0" hangingPunct="1">
+              <a:spcBef>
+                <a:spcPct val="20000"/>
+              </a:spcBef>
+              <a:buFont typeface="Arial" pitchFamily="34" charset="0"/>
+              <a:buChar char="•"/>
+              <a:defRPr sz="2400" kern="1200">
+                <a:solidFill>
+                  <a:schemeClr val="tx1"/>
+                </a:solidFill>
+                <a:latin typeface="+mn-lt"/>
+                <a:ea typeface="+mn-ea"/>
+                <a:cs typeface="+mn-cs"/>
+              </a:defRPr>
+            </a:lvl3pPr>
+            <a:lvl4pPr marL="1600200" indent="-228600" algn="l" defTabSz="914400" rtl="0" eaLnBrk="1" latinLnBrk="0" hangingPunct="1">
+              <a:spcBef>
+                <a:spcPct val="20000"/>
+              </a:spcBef>
+              <a:buFont typeface="Arial" pitchFamily="34" charset="0"/>
+              <a:buChar char="–"/>
+              <a:defRPr sz="2000" kern="1200">
+                <a:solidFill>
+                  <a:schemeClr val="tx1"/>
+                </a:solidFill>
+                <a:latin typeface="+mn-lt"/>
+                <a:ea typeface="+mn-ea"/>
+                <a:cs typeface="+mn-cs"/>
+              </a:defRPr>
+            </a:lvl4pPr>
+            <a:lvl5pPr marL="2057400" indent="-228600" algn="l" defTabSz="914400" rtl="0" eaLnBrk="1" latinLnBrk="0" hangingPunct="1">
+              <a:spcBef>
+                <a:spcPct val="20000"/>
+              </a:spcBef>
+              <a:buFont typeface="Arial" pitchFamily="34" charset="0"/>
+              <a:buChar char="»"/>
+              <a:defRPr sz="2000" kern="1200">
+                <a:solidFill>
+                  <a:schemeClr val="tx1"/>
+                </a:solidFill>
+                <a:latin typeface="+mn-lt"/>
+                <a:ea typeface="+mn-ea"/>
+                <a:cs typeface="+mn-cs"/>
+              </a:defRPr>
+            </a:lvl5pPr>
+            <a:lvl6pPr marL="2514600" indent="-228600" algn="l" defTabSz="914400" rtl="0" eaLnBrk="1" latinLnBrk="0" hangingPunct="1">
+              <a:spcBef>
+                <a:spcPct val="20000"/>
+              </a:spcBef>
+              <a:buFont typeface="Arial" pitchFamily="34" charset="0"/>
+              <a:buChar char="•"/>
+              <a:defRPr sz="2000" kern="1200">
+                <a:solidFill>
+                  <a:schemeClr val="tx1"/>
+                </a:solidFill>
+                <a:latin typeface="+mn-lt"/>
+                <a:ea typeface="+mn-ea"/>
+                <a:cs typeface="+mn-cs"/>
+              </a:defRPr>
+            </a:lvl6pPr>
+            <a:lvl7pPr marL="2971800" indent="-228600" algn="l" defTabSz="914400" rtl="0" eaLnBrk="1" latinLnBrk="0" hangingPunct="1">
+              <a:spcBef>
+                <a:spcPct val="20000"/>
+              </a:spcBef>
+              <a:buFont typeface="Arial" pitchFamily="34" charset="0"/>
+              <a:buChar char="•"/>
+              <a:defRPr sz="2000" kern="1200">
+                <a:solidFill>
+                  <a:schemeClr val="tx1"/>
+                </a:solidFill>
+                <a:latin typeface="+mn-lt"/>
+                <a:ea typeface="+mn-ea"/>
+                <a:cs typeface="+mn-cs"/>
+              </a:defRPr>
+            </a:lvl7pPr>
+            <a:lvl8pPr marL="3429000" indent="-228600" algn="l" defTabSz="914400" rtl="0" eaLnBrk="1" latinLnBrk="0" hangingPunct="1">
+              <a:spcBef>
+                <a:spcPct val="20000"/>
+              </a:spcBef>
+              <a:buFont typeface="Arial" pitchFamily="34" charset="0"/>
+              <a:buChar char="•"/>
+              <a:defRPr sz="2000" kern="1200">
+                <a:solidFill>
+                  <a:schemeClr val="tx1"/>
+                </a:solidFill>
+                <a:latin typeface="+mn-lt"/>
+                <a:ea typeface="+mn-ea"/>
+                <a:cs typeface="+mn-cs"/>
+              </a:defRPr>
+            </a:lvl8pPr>
+            <a:lvl9pPr marL="3886200" indent="-228600" algn="l" defTabSz="914400" rtl="0" eaLnBrk="1" latinLnBrk="0" hangingPunct="1">
+              <a:spcBef>
+                <a:spcPct val="20000"/>
+              </a:spcBef>
+              <a:buFont typeface="Arial" pitchFamily="34" charset="0"/>
+              <a:buChar char="•"/>
+              <a:defRPr sz="2000" kern="1200">
+                <a:solidFill>
+                  <a:schemeClr val="tx1"/>
+                </a:solidFill>
+                <a:latin typeface="+mn-lt"/>
+                <a:ea typeface="+mn-ea"/>
+                <a:cs typeface="+mn-cs"/>
+              </a:defRPr>
+            </a:lvl9pPr>
+          </a:lstStyle>
+          <a:p>
+            <a:r>
+              <a:rPr lang="en-US" sz="2400" dirty="0" err="1" smtClean="0">
+                <a:solidFill>
+                  <a:schemeClr val="accent6">
+                    <a:lumMod val="75000"/>
+                  </a:schemeClr>
+                </a:solidFill>
+              </a:rPr>
+              <a:t>Munz</a:t>
+            </a:r>
+            <a:r>
+              <a:rPr lang="en-US" sz="2400" dirty="0" smtClean="0">
+                <a:solidFill>
+                  <a:schemeClr val="accent6">
+                    <a:lumMod val="75000"/>
+                  </a:schemeClr>
+                </a:solidFill>
+              </a:rPr>
+              <a:t> et al. created a mathematical model to analyze the spread of a </a:t>
+            </a:r>
+            <a:r>
+              <a:rPr lang="en-US" sz="2400" dirty="0" err="1" smtClean="0">
+                <a:solidFill>
+                  <a:schemeClr val="accent6">
+                    <a:lumMod val="75000"/>
+                  </a:schemeClr>
+                </a:solidFill>
+              </a:rPr>
+              <a:t>zombifying</a:t>
+            </a:r>
+            <a:r>
+              <a:rPr lang="en-US" sz="2400" dirty="0" smtClean="0">
+                <a:solidFill>
+                  <a:schemeClr val="accent6">
+                    <a:lumMod val="75000"/>
+                  </a:schemeClr>
+                </a:solidFill>
+              </a:rPr>
+              <a:t> infectious disease</a:t>
+            </a:r>
+          </a:p>
+          <a:p>
+            <a:pPr lvl="1"/>
+            <a:r>
+              <a:rPr lang="en-US" sz="2000" dirty="0" smtClean="0">
+                <a:solidFill>
+                  <a:schemeClr val="accent6"/>
+                </a:solidFill>
+              </a:rPr>
+              <a:t>The survival of the human race is unlikely</a:t>
+            </a:r>
+          </a:p>
+          <a:p>
+            <a:pPr lvl="1"/>
+            <a:r>
+              <a:rPr lang="en-US" sz="2000" dirty="0" smtClean="0">
+                <a:solidFill>
+                  <a:schemeClr val="accent6"/>
+                </a:solidFill>
+              </a:rPr>
+              <a:t>The most likely means of survival for the humans was to immediately eradicate the infected </a:t>
+            </a:r>
+          </a:p>
+          <a:p>
+            <a:pPr lvl="1"/>
+            <a:endParaRPr lang="en-US" sz="2400" dirty="0">
+              <a:solidFill>
+                <a:schemeClr val="accent6">
+                  <a:lumMod val="75000"/>
+                </a:schemeClr>
+              </a:solidFill>
+            </a:endParaRPr>
+          </a:p>
+          <a:p>
+            <a:r>
+              <a:rPr lang="en-US" sz="2400" dirty="0" smtClean="0">
+                <a:solidFill>
+                  <a:schemeClr val="accent6">
+                    <a:lumMod val="75000"/>
+                  </a:schemeClr>
+                </a:solidFill>
+              </a:rPr>
+              <a:t>The approach was a set of differential equations based on previous infectious disease work</a:t>
+            </a:r>
+          </a:p>
+          <a:p>
+            <a:endParaRPr lang="en-US" sz="2400" dirty="0" smtClean="0">
+              <a:solidFill>
+                <a:schemeClr val="accent6">
+                  <a:lumMod val="75000"/>
+                </a:schemeClr>
+              </a:solidFill>
+            </a:endParaRPr>
+          </a:p>
+          <a:p>
+            <a:endParaRPr lang="en-US" sz="2400" dirty="0" smtClean="0">
+              <a:solidFill>
+                <a:schemeClr val="accent6">
+                  <a:lumMod val="75000"/>
+                </a:schemeClr>
+              </a:solidFill>
+            </a:endParaRPr>
+          </a:p>
+          <a:p>
+            <a:endParaRPr lang="en-US" sz="2400" i="1" dirty="0" smtClean="0">
+              <a:solidFill>
+                <a:schemeClr val="accent6">
+                  <a:lumMod val="75000"/>
+                </a:schemeClr>
+              </a:solidFill>
+            </a:endParaRPr>
+          </a:p>
+          <a:p>
+            <a:endParaRPr lang="en-US" sz="2400" dirty="0" smtClean="0">
+              <a:solidFill>
+                <a:schemeClr val="accent6">
+                  <a:lumMod val="75000"/>
+                </a:schemeClr>
+              </a:solidFill>
+            </a:endParaRPr>
+          </a:p>
+          <a:p>
+            <a:pPr lvl="1">
+              <a:buFont typeface="Arial" pitchFamily="34" charset="0"/>
+              <a:buNone/>
+            </a:pPr>
+            <a:endParaRPr lang="en-US" sz="2000" dirty="0">
+              <a:solidFill>
+                <a:schemeClr val="accent6"/>
+              </a:solidFill>
+            </a:endParaRPr>
+          </a:p>
+        </p:txBody>
+      </p:sp>
+    </p:spTree>
+    <p:extLst>
+      <p:ext uri="{BB962C8B-B14F-4D97-AF65-F5344CB8AC3E}">
+        <p14:creationId xmlns:p14="http://schemas.microsoft.com/office/powerpoint/2010/main" val="2339582423"/>
+      </p:ext>
+    </p:extLst>
+  </p:cSld>
+  <p:clrMapOvr>
+    <a:masterClrMapping/>
+  </p:clrMapOvr>
+  <p:timing>
+    <p:tnLst>
+      <p:par>
+        <p:cTn id="1" dur="indefinite" restart="never" nodeType="tmRoot"/>
+      </p:par>
+    </p:tnLst>
+  </p:timing>
+</p:sld>
+</file>
+
+<file path=ppt/slides/slide5.xml><?xml version="1.0" encoding="utf-8"?>
 <p:sld xmlns:a="http://schemas.openxmlformats.org/drawingml/2006/main" xmlns:r="http://schemas.openxmlformats.org/officeDocument/2006/relationships" xmlns:p="http://schemas.openxmlformats.org/presentationml/2006/main">
   <p:cSld>
     <p:bg>
@@ -5231,11 +7633,25 @@
                 <a:latin typeface="Chiller" pitchFamily="82" charset="0"/>
                 <a:cs typeface="Andalus" pitchFamily="18" charset="-78"/>
               </a:rPr>
-              <a:t>Agent Behavior - Humans</a:t>
+              <a:t>Agent Behavior - </a:t>
+            </a:r>
+            <a:r>
+              <a:rPr lang="en-US" sz="4500" dirty="0" smtClean="0">
+                <a:solidFill>
+                  <a:schemeClr val="bg1">
+                    <a:lumMod val="75000"/>
+                  </a:schemeClr>
+                </a:solidFill>
+                <a:latin typeface="Chiller" pitchFamily="82" charset="0"/>
+                <a:cs typeface="Andalus" pitchFamily="18" charset="-78"/>
+              </a:rPr>
+              <a:t>Humans</a:t>
             </a:r>
             <a:endParaRPr lang="en-US" sz="4500" dirty="0">
               <a:solidFill>
-                <a:srgbClr val="FFC000"/>
+                <a:schemeClr val="bg1">
+                  <a:lumMod val="75000"/>
+                </a:schemeClr>
               </a:solidFill>
               <a:latin typeface="Chiller" pitchFamily="82" charset="0"/>
               <a:cs typeface="Andalus" pitchFamily="18" charset="-78"/>
@@ -5867,10 +8283,17 @@
   <p:clrMapOvr>
     <a:masterClrMapping/>
   </p:clrMapOvr>
+  <p:timing>
+    <p:tnLst>
+      <p:par>
+        <p:cTn id="1" dur="indefinite" restart="never" nodeType="tmRoot"/>
+      </p:par>
+    </p:tnLst>
+  </p:timing>
 </p:sld>
 </file>
 
-<file path=ppt/slides/slide5.xml><?xml version="1.0" encoding="utf-8"?>
+<file path=ppt/slides/slide6.xml><?xml version="1.0" encoding="utf-8"?>
 <p:sld xmlns:a="http://schemas.openxmlformats.org/drawingml/2006/main" xmlns:r="http://schemas.openxmlformats.org/officeDocument/2006/relationships" xmlns:p="http://schemas.openxmlformats.org/presentationml/2006/main">
   <p:cSld>
     <p:bg>
@@ -5895,6 +8318,1486 @@
           <a:chExt cx="0" cy="0"/>
         </a:xfrm>
       </p:grpSpPr>
+      <p:cxnSp>
+        <p:nvCxnSpPr>
+          <p:cNvPr id="6" name="Straight Connector 5"/>
+          <p:cNvCxnSpPr/>
+          <p:nvPr/>
+        </p:nvCxnSpPr>
+        <p:spPr>
+          <a:xfrm>
+            <a:off x="3581400" y="990600"/>
+            <a:ext cx="4572000" cy="0"/>
+          </a:xfrm>
+          <a:prstGeom prst="line">
+            <a:avLst/>
+          </a:prstGeom>
+          <a:ln w="57150">
+            <a:solidFill>
+              <a:schemeClr val="accent6">
+                <a:lumMod val="50000"/>
+              </a:schemeClr>
+            </a:solidFill>
+          </a:ln>
+        </p:spPr>
+        <p:style>
+          <a:lnRef idx="1">
+            <a:schemeClr val="accent1"/>
+          </a:lnRef>
+          <a:fillRef idx="0">
+            <a:schemeClr val="accent1"/>
+          </a:fillRef>
+          <a:effectRef idx="0">
+            <a:schemeClr val="accent1"/>
+          </a:effectRef>
+          <a:fontRef idx="minor">
+            <a:schemeClr val="tx1"/>
+          </a:fontRef>
+        </p:style>
+      </p:cxnSp>
+      <p:sp>
+        <p:nvSpPr>
+          <p:cNvPr id="2" name="Title 1"/>
+          <p:cNvSpPr>
+            <a:spLocks noGrp="1"/>
+          </p:cNvSpPr>
+          <p:nvPr>
+            <p:ph type="title"/>
+          </p:nvPr>
+        </p:nvSpPr>
+        <p:spPr>
+          <a:xfrm>
+            <a:off x="533400" y="152400"/>
+            <a:ext cx="8153400" cy="1143000"/>
+          </a:xfrm>
+        </p:spPr>
+        <p:txBody>
+          <a:bodyPr>
+            <a:noAutofit/>
+          </a:bodyPr>
+          <a:lstStyle/>
+          <a:p>
+            <a:pPr algn="l"/>
+            <a:r>
+              <a:rPr lang="en-US" sz="4500" dirty="0" smtClean="0">
+                <a:solidFill>
+                  <a:srgbClr val="FFC000"/>
+                </a:solidFill>
+                <a:latin typeface="Chiller" pitchFamily="82" charset="0"/>
+                <a:cs typeface="Andalus" pitchFamily="18" charset="-78"/>
+              </a:rPr>
+              <a:t>Agent Behavior - </a:t>
+            </a:r>
+            <a:r>
+              <a:rPr lang="en-US" sz="4500" dirty="0" smtClean="0">
+                <a:solidFill>
+                  <a:srgbClr val="92D050"/>
+                </a:solidFill>
+                <a:latin typeface="Chiller" pitchFamily="82" charset="0"/>
+                <a:cs typeface="Andalus" pitchFamily="18" charset="-78"/>
+              </a:rPr>
+              <a:t>Zombies</a:t>
+            </a:r>
+            <a:endParaRPr lang="en-US" sz="4500" dirty="0">
+              <a:solidFill>
+                <a:srgbClr val="92D050"/>
+              </a:solidFill>
+              <a:latin typeface="Chiller" pitchFamily="82" charset="0"/>
+              <a:cs typeface="Andalus" pitchFamily="18" charset="-78"/>
+            </a:endParaRPr>
+          </a:p>
+        </p:txBody>
+      </p:sp>
+      <p:cxnSp>
+        <p:nvCxnSpPr>
+          <p:cNvPr id="7" name="Straight Connector 6"/>
+          <p:cNvCxnSpPr/>
+          <p:nvPr/>
+        </p:nvCxnSpPr>
+        <p:spPr>
+          <a:xfrm>
+            <a:off x="609600" y="990600"/>
+            <a:ext cx="2971800" cy="0"/>
+          </a:xfrm>
+          <a:prstGeom prst="line">
+            <a:avLst/>
+          </a:prstGeom>
+          <a:ln w="57150">
+            <a:solidFill>
+              <a:schemeClr val="accent6"/>
+            </a:solidFill>
+          </a:ln>
+        </p:spPr>
+        <p:style>
+          <a:lnRef idx="1">
+            <a:schemeClr val="accent1"/>
+          </a:lnRef>
+          <a:fillRef idx="0">
+            <a:schemeClr val="accent1"/>
+          </a:fillRef>
+          <a:effectRef idx="0">
+            <a:schemeClr val="accent1"/>
+          </a:effectRef>
+          <a:fontRef idx="minor">
+            <a:schemeClr val="tx1"/>
+          </a:fontRef>
+        </p:style>
+      </p:cxnSp>
+      <p:sp>
+        <p:nvSpPr>
+          <p:cNvPr id="8" name="Rectangle 7"/>
+          <p:cNvSpPr/>
+          <p:nvPr/>
+        </p:nvSpPr>
+        <p:spPr>
+          <a:xfrm>
+            <a:off x="0" y="1225689"/>
+            <a:ext cx="8763000" cy="2862322"/>
+          </a:xfrm>
+          <a:prstGeom prst="rect">
+            <a:avLst/>
+          </a:prstGeom>
+        </p:spPr>
+        <p:txBody>
+          <a:bodyPr wrap="square">
+            <a:spAutoFit/>
+          </a:bodyPr>
+          <a:lstStyle/>
+          <a:p>
+            <a:pPr lvl="1"/>
+            <a:r>
+              <a:rPr lang="en-US" sz="2000" dirty="0" smtClean="0">
+                <a:solidFill>
+                  <a:schemeClr val="accent6"/>
+                </a:solidFill>
+              </a:rPr>
+              <a:t>Detect and chase humans</a:t>
+            </a:r>
+          </a:p>
+          <a:p>
+            <a:pPr lvl="1"/>
+            <a:endParaRPr lang="en-US" sz="2000" dirty="0">
+              <a:solidFill>
+                <a:schemeClr val="accent6"/>
+              </a:solidFill>
+            </a:endParaRPr>
+          </a:p>
+          <a:p>
+            <a:pPr lvl="1"/>
+            <a:endParaRPr lang="en-US" sz="2000" dirty="0" smtClean="0">
+              <a:solidFill>
+                <a:schemeClr val="accent6"/>
+              </a:solidFill>
+            </a:endParaRPr>
+          </a:p>
+          <a:p>
+            <a:pPr lvl="1"/>
+            <a:endParaRPr lang="en-US" sz="2000" dirty="0">
+              <a:solidFill>
+                <a:schemeClr val="accent6"/>
+              </a:solidFill>
+            </a:endParaRPr>
+          </a:p>
+          <a:p>
+            <a:pPr lvl="1"/>
+            <a:endParaRPr lang="en-US" sz="2000" dirty="0" smtClean="0">
+              <a:solidFill>
+                <a:schemeClr val="accent6"/>
+              </a:solidFill>
+            </a:endParaRPr>
+          </a:p>
+          <a:p>
+            <a:pPr lvl="1"/>
+            <a:endParaRPr lang="en-US" sz="2000" dirty="0">
+              <a:solidFill>
+                <a:schemeClr val="accent6"/>
+              </a:solidFill>
+            </a:endParaRPr>
+          </a:p>
+          <a:p>
+            <a:pPr lvl="1"/>
+            <a:r>
+              <a:rPr lang="en-US" sz="2000" dirty="0" smtClean="0">
+                <a:solidFill>
+                  <a:schemeClr val="accent6"/>
+                </a:solidFill>
+              </a:rPr>
+              <a:t>Bitten humans may incubate the disease, undetectable by other humans</a:t>
+            </a:r>
+            <a:endParaRPr lang="en-US" sz="2000" dirty="0" smtClean="0">
+              <a:solidFill>
+                <a:schemeClr val="accent6"/>
+              </a:solidFill>
+            </a:endParaRPr>
+          </a:p>
+          <a:p>
+            <a:pPr lvl="1"/>
+            <a:endParaRPr lang="en-US" sz="2000" dirty="0" smtClean="0">
+              <a:solidFill>
+                <a:schemeClr val="accent6"/>
+              </a:solidFill>
+            </a:endParaRPr>
+          </a:p>
+          <a:p>
+            <a:pPr lvl="1"/>
+            <a:endParaRPr lang="en-US" sz="2000" dirty="0" smtClean="0">
+              <a:solidFill>
+                <a:schemeClr val="accent6"/>
+              </a:solidFill>
+            </a:endParaRPr>
+          </a:p>
+        </p:txBody>
+      </p:sp>
+    </p:spTree>
+    <p:extLst>
+      <p:ext uri="{BB962C8B-B14F-4D97-AF65-F5344CB8AC3E}">
+        <p14:creationId xmlns:p14="http://schemas.microsoft.com/office/powerpoint/2010/main" val="3421679227"/>
+      </p:ext>
+    </p:extLst>
+  </p:cSld>
+  <p:clrMapOvr>
+    <a:masterClrMapping/>
+  </p:clrMapOvr>
+  <p:timing>
+    <p:tnLst>
+      <p:par>
+        <p:cTn id="1" dur="indefinite" restart="never" nodeType="tmRoot"/>
+      </p:par>
+    </p:tnLst>
+  </p:timing>
+</p:sld>
+</file>
+
+<file path=ppt/slides/slide7.xml><?xml version="1.0" encoding="utf-8"?>
+<p:sld xmlns:a="http://schemas.openxmlformats.org/drawingml/2006/main" xmlns:r="http://schemas.openxmlformats.org/officeDocument/2006/relationships" xmlns:p="http://schemas.openxmlformats.org/presentationml/2006/main">
+  <p:cSld>
+    <p:bg>
+      <p:bgPr>
+        <a:solidFill>
+          <a:schemeClr val="tx1"/>
+        </a:solidFill>
+        <a:effectLst/>
+      </p:bgPr>
+    </p:bg>
+    <p:spTree>
+      <p:nvGrpSpPr>
+        <p:cNvPr id="1" name=""/>
+        <p:cNvGrpSpPr/>
+        <p:nvPr/>
+      </p:nvGrpSpPr>
+      <p:grpSpPr>
+        <a:xfrm>
+          <a:off x="0" y="0"/>
+          <a:ext cx="0" cy="0"/>
+          <a:chOff x="0" y="0"/>
+          <a:chExt cx="0" cy="0"/>
+        </a:xfrm>
+      </p:grpSpPr>
+      <p:sp>
+        <p:nvSpPr>
+          <p:cNvPr id="9" name="Content Placeholder 2"/>
+          <p:cNvSpPr>
+            <a:spLocks noGrp="1"/>
+          </p:cNvSpPr>
+          <p:nvPr>
+            <p:ph idx="1"/>
+          </p:nvPr>
+        </p:nvSpPr>
+        <p:spPr>
+          <a:xfrm>
+            <a:off x="381000" y="1371601"/>
+            <a:ext cx="8229600" cy="4724399"/>
+          </a:xfrm>
+        </p:spPr>
+        <p:txBody>
+          <a:bodyPr/>
+          <a:lstStyle/>
+          <a:p>
+            <a:r>
+              <a:rPr lang="en-US" sz="2400" dirty="0" smtClean="0">
+                <a:solidFill>
+                  <a:schemeClr val="accent6">
+                    <a:lumMod val="75000"/>
+                  </a:schemeClr>
+                </a:solidFill>
+              </a:rPr>
+              <a:t>Gun caches appear as small blue boxes, their size is proportional to the number of available guns within them</a:t>
+            </a:r>
+          </a:p>
+          <a:p>
+            <a:r>
+              <a:rPr lang="en-US" sz="2400" dirty="0" smtClean="0">
+                <a:solidFill>
+                  <a:schemeClr val="accent6">
+                    <a:lumMod val="75000"/>
+                  </a:schemeClr>
+                </a:solidFill>
+              </a:rPr>
+              <a:t>Humans with guns appear in pink</a:t>
+            </a:r>
+          </a:p>
+          <a:p>
+            <a:endParaRPr lang="en-US" sz="2400" dirty="0">
+              <a:solidFill>
+                <a:schemeClr val="accent6">
+                  <a:lumMod val="75000"/>
+                </a:schemeClr>
+              </a:solidFill>
+            </a:endParaRPr>
+          </a:p>
+          <a:p>
+            <a:endParaRPr lang="en-US" sz="2400" dirty="0" smtClean="0">
+              <a:solidFill>
+                <a:schemeClr val="accent6">
+                  <a:lumMod val="75000"/>
+                </a:schemeClr>
+              </a:solidFill>
+            </a:endParaRPr>
+          </a:p>
+          <a:p>
+            <a:endParaRPr lang="en-US" sz="2400" dirty="0">
+              <a:solidFill>
+                <a:schemeClr val="accent6">
+                  <a:lumMod val="75000"/>
+                </a:schemeClr>
+              </a:solidFill>
+            </a:endParaRPr>
+          </a:p>
+          <a:p>
+            <a:pPr marL="0" indent="0">
+              <a:buNone/>
+            </a:pPr>
+            <a:endParaRPr lang="en-US" sz="2400" dirty="0">
+              <a:solidFill>
+                <a:schemeClr val="accent6">
+                  <a:lumMod val="75000"/>
+                </a:schemeClr>
+              </a:solidFill>
+            </a:endParaRPr>
+          </a:p>
+          <a:p>
+            <a:r>
+              <a:rPr lang="en-US" sz="2400" dirty="0" smtClean="0">
+                <a:solidFill>
+                  <a:schemeClr val="accent6">
+                    <a:lumMod val="75000"/>
+                  </a:schemeClr>
+                </a:solidFill>
+              </a:rPr>
+              <a:t>Humans can fire guns to kill zombies</a:t>
+            </a:r>
+          </a:p>
+          <a:p>
+            <a:endParaRPr lang="en-US" sz="2400" dirty="0" smtClean="0">
+              <a:solidFill>
+                <a:schemeClr val="accent6">
+                  <a:lumMod val="75000"/>
+                </a:schemeClr>
+              </a:solidFill>
+            </a:endParaRPr>
+          </a:p>
+          <a:p>
+            <a:pPr algn="just"/>
+            <a:endParaRPr lang="en-US" sz="2400" dirty="0" smtClean="0">
+              <a:solidFill>
+                <a:schemeClr val="accent6">
+                  <a:lumMod val="75000"/>
+                </a:schemeClr>
+              </a:solidFill>
+            </a:endParaRPr>
+          </a:p>
+          <a:p>
+            <a:pPr algn="just"/>
+            <a:endParaRPr lang="en-US" sz="2400" dirty="0" smtClean="0">
+              <a:solidFill>
+                <a:schemeClr val="accent6">
+                  <a:lumMod val="75000"/>
+                </a:schemeClr>
+              </a:solidFill>
+            </a:endParaRPr>
+          </a:p>
+          <a:p>
+            <a:pPr algn="just"/>
+            <a:endParaRPr lang="en-US" dirty="0"/>
+          </a:p>
+        </p:txBody>
+      </p:sp>
+      <p:cxnSp>
+        <p:nvCxnSpPr>
+          <p:cNvPr id="6" name="Straight Connector 5"/>
+          <p:cNvCxnSpPr/>
+          <p:nvPr/>
+        </p:nvCxnSpPr>
+        <p:spPr>
+          <a:xfrm>
+            <a:off x="3581400" y="990600"/>
+            <a:ext cx="4572000" cy="0"/>
+          </a:xfrm>
+          <a:prstGeom prst="line">
+            <a:avLst/>
+          </a:prstGeom>
+          <a:ln w="57150">
+            <a:solidFill>
+              <a:schemeClr val="accent6">
+                <a:lumMod val="50000"/>
+              </a:schemeClr>
+            </a:solidFill>
+          </a:ln>
+        </p:spPr>
+        <p:style>
+          <a:lnRef idx="1">
+            <a:schemeClr val="accent1"/>
+          </a:lnRef>
+          <a:fillRef idx="0">
+            <a:schemeClr val="accent1"/>
+          </a:fillRef>
+          <a:effectRef idx="0">
+            <a:schemeClr val="accent1"/>
+          </a:effectRef>
+          <a:fontRef idx="minor">
+            <a:schemeClr val="tx1"/>
+          </a:fontRef>
+        </p:style>
+      </p:cxnSp>
+      <p:sp>
+        <p:nvSpPr>
+          <p:cNvPr id="2" name="Title 1"/>
+          <p:cNvSpPr>
+            <a:spLocks noGrp="1"/>
+          </p:cNvSpPr>
+          <p:nvPr>
+            <p:ph type="title"/>
+          </p:nvPr>
+        </p:nvSpPr>
+        <p:spPr>
+          <a:xfrm>
+            <a:off x="533400" y="152400"/>
+            <a:ext cx="8153400" cy="1143000"/>
+          </a:xfrm>
+        </p:spPr>
+        <p:txBody>
+          <a:bodyPr>
+            <a:noAutofit/>
+          </a:bodyPr>
+          <a:lstStyle/>
+          <a:p>
+            <a:pPr algn="l"/>
+            <a:r>
+              <a:rPr lang="en-US" sz="4500" dirty="0" smtClean="0">
+                <a:solidFill>
+                  <a:srgbClr val="FFC000"/>
+                </a:solidFill>
+                <a:latin typeface="Chiller" pitchFamily="82" charset="0"/>
+                <a:cs typeface="Andalus" pitchFamily="18" charset="-78"/>
+              </a:rPr>
+              <a:t>Agent Behavior </a:t>
+            </a:r>
+            <a:r>
+              <a:rPr lang="en-US" sz="4500" dirty="0" smtClean="0">
+                <a:solidFill>
+                  <a:srgbClr val="FFC000"/>
+                </a:solidFill>
+                <a:latin typeface="Chiller" pitchFamily="82" charset="0"/>
+                <a:cs typeface="Andalus" pitchFamily="18" charset="-78"/>
+              </a:rPr>
+              <a:t>– </a:t>
+            </a:r>
+            <a:r>
+              <a:rPr lang="en-US" sz="4500" dirty="0" smtClean="0">
+                <a:solidFill>
+                  <a:schemeClr val="tx2">
+                    <a:lumMod val="40000"/>
+                    <a:lumOff val="60000"/>
+                  </a:schemeClr>
+                </a:solidFill>
+                <a:latin typeface="Chiller" pitchFamily="82" charset="0"/>
+                <a:cs typeface="Andalus" pitchFamily="18" charset="-78"/>
+              </a:rPr>
+              <a:t>Gun Caches</a:t>
+            </a:r>
+            <a:endParaRPr lang="en-US" sz="4500" dirty="0">
+              <a:solidFill>
+                <a:schemeClr val="tx2">
+                  <a:lumMod val="40000"/>
+                  <a:lumOff val="60000"/>
+                </a:schemeClr>
+              </a:solidFill>
+              <a:latin typeface="Chiller" pitchFamily="82" charset="0"/>
+              <a:cs typeface="Andalus" pitchFamily="18" charset="-78"/>
+            </a:endParaRPr>
+          </a:p>
+        </p:txBody>
+      </p:sp>
+      <p:cxnSp>
+        <p:nvCxnSpPr>
+          <p:cNvPr id="7" name="Straight Connector 6"/>
+          <p:cNvCxnSpPr/>
+          <p:nvPr/>
+        </p:nvCxnSpPr>
+        <p:spPr>
+          <a:xfrm>
+            <a:off x="609600" y="990600"/>
+            <a:ext cx="2971800" cy="0"/>
+          </a:xfrm>
+          <a:prstGeom prst="line">
+            <a:avLst/>
+          </a:prstGeom>
+          <a:ln w="57150">
+            <a:solidFill>
+              <a:schemeClr val="accent6"/>
+            </a:solidFill>
+          </a:ln>
+        </p:spPr>
+        <p:style>
+          <a:lnRef idx="1">
+            <a:schemeClr val="accent1"/>
+          </a:lnRef>
+          <a:fillRef idx="0">
+            <a:schemeClr val="accent1"/>
+          </a:fillRef>
+          <a:effectRef idx="0">
+            <a:schemeClr val="accent1"/>
+          </a:effectRef>
+          <a:fontRef idx="minor">
+            <a:schemeClr val="tx1"/>
+          </a:fontRef>
+        </p:style>
+      </p:cxnSp>
+      <p:sp>
+        <p:nvSpPr>
+          <p:cNvPr id="8" name="Rectangle 7"/>
+          <p:cNvSpPr/>
+          <p:nvPr/>
+        </p:nvSpPr>
+        <p:spPr>
+          <a:xfrm>
+            <a:off x="0" y="1225689"/>
+            <a:ext cx="4876800" cy="707886"/>
+          </a:xfrm>
+          <a:prstGeom prst="rect">
+            <a:avLst/>
+          </a:prstGeom>
+        </p:spPr>
+        <p:txBody>
+          <a:bodyPr wrap="square">
+            <a:spAutoFit/>
+          </a:bodyPr>
+          <a:lstStyle/>
+          <a:p>
+            <a:pPr lvl="1"/>
+            <a:endParaRPr lang="en-US" sz="2000" dirty="0" smtClean="0">
+              <a:solidFill>
+                <a:schemeClr val="accent6"/>
+              </a:solidFill>
+            </a:endParaRPr>
+          </a:p>
+          <a:p>
+            <a:pPr lvl="1"/>
+            <a:endParaRPr lang="en-US" sz="2000" dirty="0" smtClean="0">
+              <a:solidFill>
+                <a:schemeClr val="accent6"/>
+              </a:solidFill>
+            </a:endParaRPr>
+          </a:p>
+        </p:txBody>
+      </p:sp>
+      <p:pic>
+        <p:nvPicPr>
+          <p:cNvPr id="1026" name="Picture 2"/>
+          <p:cNvPicPr>
+            <a:picLocks noChangeAspect="1" noChangeArrowheads="1"/>
+          </p:cNvPicPr>
+          <p:nvPr/>
+        </p:nvPicPr>
+        <p:blipFill>
+          <a:blip r:embed="rId3">
+            <a:extLst>
+              <a:ext uri="{28A0092B-C50C-407E-A947-70E740481C1C}">
+                <a14:useLocalDpi xmlns:a14="http://schemas.microsoft.com/office/drawing/2010/main" val="0"/>
+              </a:ext>
+            </a:extLst>
+          </a:blip>
+          <a:srcRect/>
+          <a:stretch>
+            <a:fillRect/>
+          </a:stretch>
+        </p:blipFill>
+        <p:spPr bwMode="auto">
+          <a:xfrm>
+            <a:off x="2667000" y="2895600"/>
+            <a:ext cx="1156677" cy="1219200"/>
+          </a:xfrm>
+          <a:prstGeom prst="rect">
+            <a:avLst/>
+          </a:prstGeom>
+          <a:noFill/>
+          <a:ln>
+            <a:noFill/>
+          </a:ln>
+          <a:effectLst/>
+          <a:extLst>
+            <a:ext uri="{909E8E84-426E-40DD-AFC4-6F175D3DCCD1}">
+              <a14:hiddenFill xmlns:a14="http://schemas.microsoft.com/office/drawing/2010/main">
+                <a:solidFill>
+                  <a:schemeClr val="accent1"/>
+                </a:solidFill>
+              </a14:hiddenFill>
+            </a:ext>
+            <a:ext uri="{91240B29-F687-4F45-9708-019B960494DF}">
+              <a14:hiddenLine xmlns:a14="http://schemas.microsoft.com/office/drawing/2010/main" w="9525">
+                <a:solidFill>
+                  <a:schemeClr val="tx1"/>
+                </a:solidFill>
+                <a:miter lim="800000"/>
+                <a:headEnd/>
+                <a:tailEnd/>
+              </a14:hiddenLine>
+            </a:ext>
+            <a:ext uri="{AF507438-7753-43E0-B8FC-AC1667EBCBE1}">
+              <a14:hiddenEffects xmlns:a14="http://schemas.microsoft.com/office/drawing/2010/main">
+                <a:effectLst>
+                  <a:outerShdw dist="35921" dir="2700000" algn="ctr" rotWithShape="0">
+                    <a:schemeClr val="bg2"/>
+                  </a:outerShdw>
+                </a:effectLst>
+              </a14:hiddenEffects>
+            </a:ext>
+          </a:extLst>
+        </p:spPr>
+      </p:pic>
+      <p:pic>
+        <p:nvPicPr>
+          <p:cNvPr id="1027" name="Picture 3"/>
+          <p:cNvPicPr>
+            <a:picLocks noChangeAspect="1" noChangeArrowheads="1"/>
+          </p:cNvPicPr>
+          <p:nvPr/>
+        </p:nvPicPr>
+        <p:blipFill>
+          <a:blip r:embed="rId4">
+            <a:extLst>
+              <a:ext uri="{28A0092B-C50C-407E-A947-70E740481C1C}">
+                <a14:useLocalDpi xmlns:a14="http://schemas.microsoft.com/office/drawing/2010/main" val="0"/>
+              </a:ext>
+            </a:extLst>
+          </a:blip>
+          <a:srcRect/>
+          <a:stretch>
+            <a:fillRect/>
+          </a:stretch>
+        </p:blipFill>
+        <p:spPr bwMode="auto">
+          <a:xfrm>
+            <a:off x="5867400" y="2743200"/>
+            <a:ext cx="1383507" cy="1600200"/>
+          </a:xfrm>
+          <a:prstGeom prst="rect">
+            <a:avLst/>
+          </a:prstGeom>
+          <a:noFill/>
+          <a:ln>
+            <a:noFill/>
+          </a:ln>
+          <a:effectLst/>
+          <a:extLst>
+            <a:ext uri="{909E8E84-426E-40DD-AFC4-6F175D3DCCD1}">
+              <a14:hiddenFill xmlns:a14="http://schemas.microsoft.com/office/drawing/2010/main">
+                <a:solidFill>
+                  <a:schemeClr val="accent1"/>
+                </a:solidFill>
+              </a14:hiddenFill>
+            </a:ext>
+            <a:ext uri="{91240B29-F687-4F45-9708-019B960494DF}">
+              <a14:hiddenLine xmlns:a14="http://schemas.microsoft.com/office/drawing/2010/main" w="9525">
+                <a:solidFill>
+                  <a:schemeClr val="tx1"/>
+                </a:solidFill>
+                <a:miter lim="800000"/>
+                <a:headEnd/>
+                <a:tailEnd/>
+              </a14:hiddenLine>
+            </a:ext>
+            <a:ext uri="{AF507438-7753-43E0-B8FC-AC1667EBCBE1}">
+              <a14:hiddenEffects xmlns:a14="http://schemas.microsoft.com/office/drawing/2010/main">
+                <a:effectLst>
+                  <a:outerShdw dist="35921" dir="2700000" algn="ctr" rotWithShape="0">
+                    <a:schemeClr val="bg2"/>
+                  </a:outerShdw>
+                </a:effectLst>
+              </a14:hiddenEffects>
+            </a:ext>
+          </a:extLst>
+        </p:spPr>
+      </p:pic>
+      <p:cxnSp>
+        <p:nvCxnSpPr>
+          <p:cNvPr id="5" name="Straight Arrow Connector 4"/>
+          <p:cNvCxnSpPr/>
+          <p:nvPr/>
+        </p:nvCxnSpPr>
+        <p:spPr>
+          <a:xfrm>
+            <a:off x="4572000" y="3429000"/>
+            <a:ext cx="990600" cy="0"/>
+          </a:xfrm>
+          <a:prstGeom prst="straightConnector1">
+            <a:avLst/>
+          </a:prstGeom>
+          <a:ln>
+            <a:tailEnd type="arrow"/>
+          </a:ln>
+        </p:spPr>
+        <p:style>
+          <a:lnRef idx="1">
+            <a:schemeClr val="accent1"/>
+          </a:lnRef>
+          <a:fillRef idx="0">
+            <a:schemeClr val="accent1"/>
+          </a:fillRef>
+          <a:effectRef idx="0">
+            <a:schemeClr val="accent1"/>
+          </a:effectRef>
+          <a:fontRef idx="minor">
+            <a:schemeClr val="tx1"/>
+          </a:fontRef>
+        </p:style>
+      </p:cxnSp>
+      <p:pic>
+        <p:nvPicPr>
+          <p:cNvPr id="1028" name="Picture 4"/>
+          <p:cNvPicPr>
+            <a:picLocks noChangeAspect="1" noChangeArrowheads="1"/>
+          </p:cNvPicPr>
+          <p:nvPr/>
+        </p:nvPicPr>
+        <p:blipFill rotWithShape="1">
+          <a:blip r:embed="rId5">
+            <a:extLst>
+              <a:ext uri="{28A0092B-C50C-407E-A947-70E740481C1C}">
+                <a14:useLocalDpi xmlns:a14="http://schemas.microsoft.com/office/drawing/2010/main" val="0"/>
+              </a:ext>
+            </a:extLst>
+          </a:blip>
+          <a:srcRect l="3508"/>
+          <a:stretch/>
+        </p:blipFill>
+        <p:spPr bwMode="auto">
+          <a:xfrm>
+            <a:off x="1619250" y="5105400"/>
+            <a:ext cx="1047750" cy="981075"/>
+          </a:xfrm>
+          <a:prstGeom prst="rect">
+            <a:avLst/>
+          </a:prstGeom>
+          <a:noFill/>
+          <a:ln>
+            <a:noFill/>
+          </a:ln>
+          <a:effectLst/>
+          <a:extLst>
+            <a:ext uri="{909E8E84-426E-40DD-AFC4-6F175D3DCCD1}">
+              <a14:hiddenFill xmlns:a14="http://schemas.microsoft.com/office/drawing/2010/main">
+                <a:solidFill>
+                  <a:schemeClr val="accent1"/>
+                </a:solidFill>
+              </a14:hiddenFill>
+            </a:ext>
+            <a:ext uri="{91240B29-F687-4F45-9708-019B960494DF}">
+              <a14:hiddenLine xmlns:a14="http://schemas.microsoft.com/office/drawing/2010/main" w="9525">
+                <a:solidFill>
+                  <a:schemeClr val="tx1"/>
+                </a:solidFill>
+                <a:miter lim="800000"/>
+                <a:headEnd/>
+                <a:tailEnd/>
+              </a14:hiddenLine>
+            </a:ext>
+            <a:ext uri="{AF507438-7753-43E0-B8FC-AC1667EBCBE1}">
+              <a14:hiddenEffects xmlns:a14="http://schemas.microsoft.com/office/drawing/2010/main">
+                <a:effectLst>
+                  <a:outerShdw dist="35921" dir="2700000" algn="ctr" rotWithShape="0">
+                    <a:schemeClr val="bg2"/>
+                  </a:outerShdw>
+                </a:effectLst>
+              </a14:hiddenEffects>
+            </a:ext>
+          </a:extLst>
+        </p:spPr>
+      </p:pic>
+      <p:sp>
+        <p:nvSpPr>
+          <p:cNvPr id="10" name="Rectangle 9"/>
+          <p:cNvSpPr/>
+          <p:nvPr/>
+        </p:nvSpPr>
+        <p:spPr>
+          <a:xfrm>
+            <a:off x="1447800" y="5410200"/>
+            <a:ext cx="228600" cy="676275"/>
+          </a:xfrm>
+          <a:prstGeom prst="rect">
+            <a:avLst/>
+          </a:prstGeom>
+          <a:solidFill>
+            <a:schemeClr val="tx1"/>
+          </a:solidFill>
+          <a:ln>
+            <a:noFill/>
+          </a:ln>
+        </p:spPr>
+        <p:style>
+          <a:lnRef idx="2">
+            <a:schemeClr val="accent1">
+              <a:shade val="50000"/>
+            </a:schemeClr>
+          </a:lnRef>
+          <a:fillRef idx="1">
+            <a:schemeClr val="accent1"/>
+          </a:fillRef>
+          <a:effectRef idx="0">
+            <a:schemeClr val="accent1"/>
+          </a:effectRef>
+          <a:fontRef idx="minor">
+            <a:schemeClr val="lt1"/>
+          </a:fontRef>
+        </p:style>
+        <p:txBody>
+          <a:bodyPr rtlCol="0" anchor="ctr"/>
+          <a:lstStyle/>
+          <a:p>
+            <a:pPr algn="ctr"/>
+            <a:endParaRPr lang="en-US"/>
+          </a:p>
+        </p:txBody>
+      </p:sp>
+    </p:spTree>
+    <p:extLst>
+      <p:ext uri="{BB962C8B-B14F-4D97-AF65-F5344CB8AC3E}">
+        <p14:creationId xmlns:p14="http://schemas.microsoft.com/office/powerpoint/2010/main" val="2286665305"/>
+      </p:ext>
+    </p:extLst>
+  </p:cSld>
+  <p:clrMapOvr>
+    <a:masterClrMapping/>
+  </p:clrMapOvr>
+  <p:timing>
+    <p:tnLst>
+      <p:par>
+        <p:cTn id="1" dur="indefinite" restart="never" nodeType="tmRoot"/>
+      </p:par>
+    </p:tnLst>
+  </p:timing>
+</p:sld>
+</file>
+
+<file path=ppt/slides/slide8.xml><?xml version="1.0" encoding="utf-8"?>
+<p:sld xmlns:a="http://schemas.openxmlformats.org/drawingml/2006/main" xmlns:r="http://schemas.openxmlformats.org/officeDocument/2006/relationships" xmlns:p="http://schemas.openxmlformats.org/presentationml/2006/main">
+  <p:cSld>
+    <p:bg>
+      <p:bgPr>
+        <a:solidFill>
+          <a:schemeClr val="tx1"/>
+        </a:solidFill>
+        <a:effectLst/>
+      </p:bgPr>
+    </p:bg>
+    <p:spTree>
+      <p:nvGrpSpPr>
+        <p:cNvPr id="1" name=""/>
+        <p:cNvGrpSpPr/>
+        <p:nvPr/>
+      </p:nvGrpSpPr>
+      <p:grpSpPr>
+        <a:xfrm>
+          <a:off x="0" y="0"/>
+          <a:ext cx="0" cy="0"/>
+          <a:chOff x="0" y="0"/>
+          <a:chExt cx="0" cy="0"/>
+        </a:xfrm>
+      </p:grpSpPr>
+      <p:cxnSp>
+        <p:nvCxnSpPr>
+          <p:cNvPr id="17" name="Straight Connector 16"/>
+          <p:cNvCxnSpPr/>
+          <p:nvPr/>
+        </p:nvCxnSpPr>
+        <p:spPr>
+          <a:xfrm flipV="1">
+            <a:off x="2806670" y="2618839"/>
+            <a:ext cx="4279930" cy="1143654"/>
+          </a:xfrm>
+          <a:prstGeom prst="line">
+            <a:avLst/>
+          </a:prstGeom>
+          <a:ln w="57150">
+            <a:prstDash val="sysDash"/>
+          </a:ln>
+        </p:spPr>
+        <p:style>
+          <a:lnRef idx="1">
+            <a:schemeClr val="accent1"/>
+          </a:lnRef>
+          <a:fillRef idx="0">
+            <a:schemeClr val="accent1"/>
+          </a:fillRef>
+          <a:effectRef idx="0">
+            <a:schemeClr val="accent1"/>
+          </a:effectRef>
+          <a:fontRef idx="minor">
+            <a:schemeClr val="tx1"/>
+          </a:fontRef>
+        </p:style>
+      </p:cxnSp>
+      <p:cxnSp>
+        <p:nvCxnSpPr>
+          <p:cNvPr id="6" name="Straight Connector 5"/>
+          <p:cNvCxnSpPr/>
+          <p:nvPr/>
+        </p:nvCxnSpPr>
+        <p:spPr>
+          <a:xfrm>
+            <a:off x="3581400" y="990600"/>
+            <a:ext cx="4572000" cy="0"/>
+          </a:xfrm>
+          <a:prstGeom prst="line">
+            <a:avLst/>
+          </a:prstGeom>
+          <a:ln w="57150">
+            <a:solidFill>
+              <a:schemeClr val="accent6">
+                <a:lumMod val="50000"/>
+              </a:schemeClr>
+            </a:solidFill>
+          </a:ln>
+        </p:spPr>
+        <p:style>
+          <a:lnRef idx="1">
+            <a:schemeClr val="accent1"/>
+          </a:lnRef>
+          <a:fillRef idx="0">
+            <a:schemeClr val="accent1"/>
+          </a:fillRef>
+          <a:effectRef idx="0">
+            <a:schemeClr val="accent1"/>
+          </a:effectRef>
+          <a:fontRef idx="minor">
+            <a:schemeClr val="tx1"/>
+          </a:fontRef>
+        </p:style>
+      </p:cxnSp>
+      <p:sp>
+        <p:nvSpPr>
+          <p:cNvPr id="2" name="Title 1"/>
+          <p:cNvSpPr>
+            <a:spLocks noGrp="1"/>
+          </p:cNvSpPr>
+          <p:nvPr>
+            <p:ph type="title"/>
+          </p:nvPr>
+        </p:nvSpPr>
+        <p:spPr>
+          <a:xfrm>
+            <a:off x="609600" y="165100"/>
+            <a:ext cx="8153400" cy="1143000"/>
+          </a:xfrm>
+        </p:spPr>
+        <p:txBody>
+          <a:bodyPr>
+            <a:noAutofit/>
+          </a:bodyPr>
+          <a:lstStyle/>
+          <a:p>
+            <a:pPr algn="l"/>
+            <a:r>
+              <a:rPr lang="en-US" sz="4500" dirty="0" smtClean="0">
+                <a:solidFill>
+                  <a:srgbClr val="FFC000"/>
+                </a:solidFill>
+                <a:latin typeface="Chiller" pitchFamily="82" charset="0"/>
+                <a:cs typeface="Andalus" pitchFamily="18" charset="-78"/>
+              </a:rPr>
+              <a:t>Agent-Wall Implementation</a:t>
+            </a:r>
+            <a:endParaRPr lang="en-US" sz="4500" dirty="0">
+              <a:solidFill>
+                <a:srgbClr val="FFC000"/>
+              </a:solidFill>
+              <a:latin typeface="Chiller" pitchFamily="82" charset="0"/>
+              <a:cs typeface="Andalus" pitchFamily="18" charset="-78"/>
+            </a:endParaRPr>
+          </a:p>
+        </p:txBody>
+      </p:sp>
+      <p:cxnSp>
+        <p:nvCxnSpPr>
+          <p:cNvPr id="7" name="Straight Connector 6"/>
+          <p:cNvCxnSpPr/>
+          <p:nvPr/>
+        </p:nvCxnSpPr>
+        <p:spPr>
+          <a:xfrm>
+            <a:off x="609600" y="990600"/>
+            <a:ext cx="4800600" cy="0"/>
+          </a:xfrm>
+          <a:prstGeom prst="line">
+            <a:avLst/>
+          </a:prstGeom>
+          <a:ln w="57150">
+            <a:solidFill>
+              <a:schemeClr val="accent6"/>
+            </a:solidFill>
+          </a:ln>
+        </p:spPr>
+        <p:style>
+          <a:lnRef idx="1">
+            <a:schemeClr val="accent1"/>
+          </a:lnRef>
+          <a:fillRef idx="0">
+            <a:schemeClr val="accent1"/>
+          </a:fillRef>
+          <a:effectRef idx="0">
+            <a:schemeClr val="accent1"/>
+          </a:effectRef>
+          <a:fontRef idx="minor">
+            <a:schemeClr val="tx1"/>
+          </a:fontRef>
+        </p:style>
+      </p:cxnSp>
+      <p:sp>
+        <p:nvSpPr>
+          <p:cNvPr id="8" name="Rectangle 7"/>
+          <p:cNvSpPr/>
+          <p:nvPr/>
+        </p:nvSpPr>
+        <p:spPr>
+          <a:xfrm>
+            <a:off x="609600" y="1295400"/>
+            <a:ext cx="4876800" cy="1323439"/>
+          </a:xfrm>
+          <a:prstGeom prst="rect">
+            <a:avLst/>
+          </a:prstGeom>
+        </p:spPr>
+        <p:txBody>
+          <a:bodyPr wrap="square">
+            <a:spAutoFit/>
+          </a:bodyPr>
+          <a:lstStyle/>
+          <a:p>
+            <a:pPr lvl="1"/>
+            <a:endParaRPr lang="en-US" sz="2000" dirty="0" smtClean="0">
+              <a:solidFill>
+                <a:schemeClr val="accent6"/>
+              </a:solidFill>
+            </a:endParaRPr>
+          </a:p>
+          <a:p>
+            <a:pPr lvl="1"/>
+            <a:endParaRPr lang="en-US" sz="2000" dirty="0" smtClean="0">
+              <a:solidFill>
+                <a:schemeClr val="accent6"/>
+              </a:solidFill>
+            </a:endParaRPr>
+          </a:p>
+          <a:p>
+            <a:pPr lvl="1"/>
+            <a:endParaRPr lang="en-US" sz="2000" dirty="0" smtClean="0">
+              <a:solidFill>
+                <a:schemeClr val="accent6"/>
+              </a:solidFill>
+            </a:endParaRPr>
+          </a:p>
+          <a:p>
+            <a:pPr lvl="1"/>
+            <a:endParaRPr lang="en-US" sz="2000" dirty="0" smtClean="0">
+              <a:solidFill>
+                <a:schemeClr val="accent6"/>
+              </a:solidFill>
+            </a:endParaRPr>
+          </a:p>
+        </p:txBody>
+      </p:sp>
+      <p:sp>
+        <p:nvSpPr>
+          <p:cNvPr id="15" name="Rectangle 14"/>
+          <p:cNvSpPr/>
+          <p:nvPr/>
+        </p:nvSpPr>
+        <p:spPr>
+          <a:xfrm rot="20739504">
+            <a:off x="7162800" y="1295400"/>
+            <a:ext cx="609600" cy="5334000"/>
+          </a:xfrm>
+          <a:prstGeom prst="rect">
+            <a:avLst/>
+          </a:prstGeom>
+          <a:solidFill>
+            <a:schemeClr val="bg1">
+              <a:lumMod val="65000"/>
+            </a:schemeClr>
+          </a:solidFill>
+          <a:ln>
+            <a:noFill/>
+          </a:ln>
+          <a:scene3d>
+            <a:camera prst="orthographicFront"/>
+            <a:lightRig rig="threePt" dir="t"/>
+          </a:scene3d>
+          <a:sp3d>
+            <a:bevelT prst="slope"/>
+          </a:sp3d>
+        </p:spPr>
+        <p:style>
+          <a:lnRef idx="2">
+            <a:schemeClr val="accent1">
+              <a:shade val="50000"/>
+            </a:schemeClr>
+          </a:lnRef>
+          <a:fillRef idx="1">
+            <a:schemeClr val="accent1"/>
+          </a:fillRef>
+          <a:effectRef idx="0">
+            <a:schemeClr val="accent1"/>
+          </a:effectRef>
+          <a:fontRef idx="minor">
+            <a:schemeClr val="lt1"/>
+          </a:fontRef>
+        </p:style>
+        <p:txBody>
+          <a:bodyPr rtlCol="0" anchor="ctr"/>
+          <a:lstStyle/>
+          <a:p>
+            <a:pPr algn="ctr"/>
+            <a:endParaRPr lang="en-US"/>
+          </a:p>
+        </p:txBody>
+      </p:sp>
+      <p:sp>
+        <p:nvSpPr>
+          <p:cNvPr id="18" name="TextBox 17"/>
+          <p:cNvSpPr txBox="1"/>
+          <p:nvPr/>
+        </p:nvSpPr>
+        <p:spPr>
+          <a:xfrm>
+            <a:off x="4495800" y="2438400"/>
+            <a:ext cx="1828800" cy="553998"/>
+          </a:xfrm>
+          <a:prstGeom prst="rect">
+            <a:avLst/>
+          </a:prstGeom>
+          <a:noFill/>
+        </p:spPr>
+        <p:txBody>
+          <a:bodyPr wrap="square" rtlCol="0">
+            <a:spAutoFit/>
+          </a:bodyPr>
+          <a:lstStyle/>
+          <a:p>
+            <a:r>
+              <a:rPr lang="en-US" sz="3000" dirty="0" err="1" smtClean="0">
+                <a:solidFill>
+                  <a:schemeClr val="accent6"/>
+                </a:solidFill>
+              </a:rPr>
+              <a:t>D</a:t>
+            </a:r>
+            <a:r>
+              <a:rPr lang="en-US" sz="3000" baseline="-25000" dirty="0" err="1" smtClean="0">
+                <a:solidFill>
+                  <a:schemeClr val="accent6"/>
+                </a:solidFill>
+              </a:rPr>
+              <a:t>w</a:t>
+            </a:r>
+            <a:endParaRPr lang="en-US" sz="3000" dirty="0">
+              <a:solidFill>
+                <a:schemeClr val="accent6"/>
+              </a:solidFill>
+            </a:endParaRPr>
+          </a:p>
+        </p:txBody>
+      </p:sp>
+      <p:cxnSp>
+        <p:nvCxnSpPr>
+          <p:cNvPr id="20" name="Straight Arrow Connector 19"/>
+          <p:cNvCxnSpPr/>
+          <p:nvPr/>
+        </p:nvCxnSpPr>
+        <p:spPr>
+          <a:xfrm flipH="1">
+            <a:off x="1066800" y="3686293"/>
+            <a:ext cx="2052728" cy="580907"/>
+          </a:xfrm>
+          <a:prstGeom prst="straightConnector1">
+            <a:avLst/>
+          </a:prstGeom>
+          <a:ln w="57150">
+            <a:tailEnd type="arrow"/>
+          </a:ln>
+        </p:spPr>
+        <p:style>
+          <a:lnRef idx="1">
+            <a:schemeClr val="accent1"/>
+          </a:lnRef>
+          <a:fillRef idx="0">
+            <a:schemeClr val="accent1"/>
+          </a:fillRef>
+          <a:effectRef idx="0">
+            <a:schemeClr val="accent1"/>
+          </a:effectRef>
+          <a:fontRef idx="minor">
+            <a:schemeClr val="tx1"/>
+          </a:fontRef>
+        </p:style>
+      </p:cxnSp>
+      <p:grpSp>
+        <p:nvGrpSpPr>
+          <p:cNvPr id="14" name="Group 13"/>
+          <p:cNvGrpSpPr/>
+          <p:nvPr/>
+        </p:nvGrpSpPr>
+        <p:grpSpPr>
+          <a:xfrm rot="6422456">
+            <a:off x="2574419" y="3001848"/>
+            <a:ext cx="1143000" cy="1676400"/>
+            <a:chOff x="4457700" y="3733800"/>
+            <a:chExt cx="1143000" cy="1676400"/>
+          </a:xfrm>
+        </p:grpSpPr>
+        <p:sp>
+          <p:nvSpPr>
+            <p:cNvPr id="9" name="Oval 8"/>
+            <p:cNvSpPr/>
+            <p:nvPr/>
+          </p:nvSpPr>
+          <p:spPr>
+            <a:xfrm>
+              <a:off x="4457700" y="4267200"/>
+              <a:ext cx="1143000" cy="1143000"/>
+            </a:xfrm>
+            <a:prstGeom prst="ellipse">
+              <a:avLst/>
+            </a:prstGeom>
+            <a:solidFill>
+              <a:schemeClr val="bg1">
+                <a:lumMod val="50000"/>
+              </a:schemeClr>
+            </a:solidFill>
+            <a:ln>
+              <a:solidFill>
+                <a:schemeClr val="bg1">
+                  <a:lumMod val="95000"/>
+                </a:schemeClr>
+              </a:solidFill>
+            </a:ln>
+          </p:spPr>
+          <p:style>
+            <a:lnRef idx="2">
+              <a:schemeClr val="accent1">
+                <a:shade val="50000"/>
+              </a:schemeClr>
+            </a:lnRef>
+            <a:fillRef idx="1">
+              <a:schemeClr val="accent1"/>
+            </a:fillRef>
+            <a:effectRef idx="0">
+              <a:schemeClr val="accent1"/>
+            </a:effectRef>
+            <a:fontRef idx="minor">
+              <a:schemeClr val="lt1"/>
+            </a:fontRef>
+          </p:style>
+          <p:txBody>
+            <a:bodyPr rtlCol="0" anchor="ctr"/>
+            <a:lstStyle/>
+            <a:p>
+              <a:pPr algn="ctr"/>
+              <a:endParaRPr lang="en-US"/>
+            </a:p>
+          </p:txBody>
+        </p:sp>
+        <p:cxnSp>
+          <p:nvCxnSpPr>
+            <p:cNvPr id="11" name="Straight Arrow Connector 10"/>
+            <p:cNvCxnSpPr>
+              <a:stCxn id="9" idx="0"/>
+            </p:cNvCxnSpPr>
+            <p:nvPr/>
+          </p:nvCxnSpPr>
+          <p:spPr>
+            <a:xfrm flipV="1">
+              <a:off x="5029200" y="3733800"/>
+              <a:ext cx="0" cy="533400"/>
+            </a:xfrm>
+            <a:prstGeom prst="straightConnector1">
+              <a:avLst/>
+            </a:prstGeom>
+            <a:ln w="76200">
+              <a:solidFill>
+                <a:schemeClr val="bg1">
+                  <a:lumMod val="85000"/>
+                </a:schemeClr>
+              </a:solidFill>
+              <a:headEnd type="none" w="med" len="med"/>
+              <a:tailEnd type="triangle" w="med" len="med"/>
+            </a:ln>
+          </p:spPr>
+          <p:style>
+            <a:lnRef idx="1">
+              <a:schemeClr val="accent1"/>
+            </a:lnRef>
+            <a:fillRef idx="0">
+              <a:schemeClr val="accent1"/>
+            </a:fillRef>
+            <a:effectRef idx="0">
+              <a:schemeClr val="accent1"/>
+            </a:effectRef>
+            <a:fontRef idx="minor">
+              <a:schemeClr val="tx1"/>
+            </a:fontRef>
+          </p:style>
+        </p:cxnSp>
+      </p:grpSp>
+      <p:sp>
+        <p:nvSpPr>
+          <p:cNvPr id="35" name="TextBox 34"/>
+          <p:cNvSpPr txBox="1"/>
+          <p:nvPr/>
+        </p:nvSpPr>
+        <p:spPr>
+          <a:xfrm>
+            <a:off x="762000" y="4458161"/>
+            <a:ext cx="2514600" cy="553998"/>
+          </a:xfrm>
+          <a:prstGeom prst="rect">
+            <a:avLst/>
+          </a:prstGeom>
+          <a:noFill/>
+        </p:spPr>
+        <p:txBody>
+          <a:bodyPr wrap="square" rtlCol="0">
+            <a:spAutoFit/>
+          </a:bodyPr>
+          <a:lstStyle/>
+          <a:p>
+            <a:r>
+              <a:rPr lang="en-US" sz="3000" dirty="0" err="1" smtClean="0">
+                <a:solidFill>
+                  <a:schemeClr val="accent6"/>
+                </a:solidFill>
+              </a:rPr>
+              <a:t>F</a:t>
+            </a:r>
+            <a:r>
+              <a:rPr lang="en-US" sz="3000" baseline="-25000" dirty="0" err="1" smtClean="0">
+                <a:solidFill>
+                  <a:schemeClr val="accent6"/>
+                </a:solidFill>
+              </a:rPr>
+              <a:t>w</a:t>
+            </a:r>
+            <a:r>
+              <a:rPr lang="en-US" sz="3000" dirty="0" smtClean="0">
+                <a:solidFill>
+                  <a:schemeClr val="accent6"/>
+                </a:solidFill>
+              </a:rPr>
+              <a:t> = </a:t>
+            </a:r>
+            <a:r>
+              <a:rPr lang="en-US" sz="3000" i="1" dirty="0" smtClean="0">
+                <a:solidFill>
+                  <a:schemeClr val="accent6"/>
+                </a:solidFill>
+              </a:rPr>
+              <a:t>e</a:t>
+            </a:r>
+            <a:r>
+              <a:rPr lang="en-US" sz="3000" dirty="0" smtClean="0">
+                <a:solidFill>
+                  <a:schemeClr val="accent6"/>
+                </a:solidFill>
+              </a:rPr>
+              <a:t>^(1/</a:t>
+            </a:r>
+            <a:r>
+              <a:rPr lang="en-US" sz="3000" dirty="0" err="1" smtClean="0">
+                <a:solidFill>
+                  <a:schemeClr val="accent6"/>
+                </a:solidFill>
+              </a:rPr>
+              <a:t>D</a:t>
+            </a:r>
+            <a:r>
+              <a:rPr lang="en-US" sz="3000" baseline="-25000" dirty="0" err="1" smtClean="0">
+                <a:solidFill>
+                  <a:schemeClr val="accent6"/>
+                </a:solidFill>
+              </a:rPr>
+              <a:t>w</a:t>
+            </a:r>
+            <a:r>
+              <a:rPr lang="en-US" sz="3000" dirty="0" smtClean="0">
+                <a:solidFill>
+                  <a:schemeClr val="accent6"/>
+                </a:solidFill>
+              </a:rPr>
+              <a:t>)</a:t>
+            </a:r>
+            <a:endParaRPr lang="en-US" sz="3000" dirty="0">
+              <a:solidFill>
+                <a:schemeClr val="accent6"/>
+              </a:solidFill>
+            </a:endParaRPr>
+          </a:p>
+        </p:txBody>
+      </p:sp>
+    </p:spTree>
+    <p:extLst>
+      <p:ext uri="{BB962C8B-B14F-4D97-AF65-F5344CB8AC3E}">
+        <p14:creationId xmlns:p14="http://schemas.microsoft.com/office/powerpoint/2010/main" val="1065909379"/>
+      </p:ext>
+    </p:extLst>
+  </p:cSld>
+  <p:clrMapOvr>
+    <a:masterClrMapping/>
+  </p:clrMapOvr>
+  <p:timing>
+    <p:tnLst>
+      <p:par>
+        <p:cTn id="1" dur="indefinite" restart="never" nodeType="tmRoot"/>
+      </p:par>
+    </p:tnLst>
+  </p:timing>
+</p:sld>
+</file>
+
+<file path=ppt/slides/slide9.xml><?xml version="1.0" encoding="utf-8"?>
+<p:sld xmlns:a="http://schemas.openxmlformats.org/drawingml/2006/main" xmlns:r="http://schemas.openxmlformats.org/officeDocument/2006/relationships" xmlns:p="http://schemas.openxmlformats.org/presentationml/2006/main">
+  <p:cSld>
+    <p:bg>
+      <p:bgPr>
+        <a:solidFill>
+          <a:schemeClr val="tx1"/>
+        </a:solidFill>
+        <a:effectLst/>
+      </p:bgPr>
+    </p:bg>
+    <p:spTree>
+      <p:nvGrpSpPr>
+        <p:cNvPr id="1" name=""/>
+        <p:cNvGrpSpPr/>
+        <p:nvPr/>
+      </p:nvGrpSpPr>
+      <p:grpSpPr>
+        <a:xfrm>
+          <a:off x="0" y="0"/>
+          <a:ext cx="0" cy="0"/>
+          <a:chOff x="0" y="0"/>
+          <a:chExt cx="0" cy="0"/>
+        </a:xfrm>
+      </p:grpSpPr>
       <p:sp>
         <p:nvSpPr>
           <p:cNvPr id="2" name="Title 1"/>
@@ -5943,8 +9846,8 @@
         </p:nvSpPr>
         <p:spPr>
           <a:xfrm>
-            <a:off x="457200" y="1493837"/>
-            <a:ext cx="8229600" cy="2773363"/>
+            <a:off x="381000" y="1371601"/>
+            <a:ext cx="8229600" cy="1219200"/>
           </a:xfrm>
         </p:spPr>
         <p:txBody>
@@ -5959,15 +9862,8 @@
                   </a:schemeClr>
                 </a:solidFill>
               </a:rPr>
-              <a:t>Use varied </a:t>
-            </a:r>
-            <a:endParaRPr lang="en-US" sz="2000" dirty="0" smtClean="0">
-              <a:solidFill>
-                <a:schemeClr val="accent6">
-                  <a:lumMod val="75000"/>
-                </a:schemeClr>
-              </a:solidFill>
-            </a:endParaRPr>
+              <a:t>Without a high saturation of guns the humans are in desperate trouble</a:t>
+            </a:r>
           </a:p>
           <a:p>
             <a:endParaRPr lang="en-US" sz="2400" dirty="0" smtClean="0">
@@ -6065,226 +9961,249 @@
           </a:prstGeom>
         </p:spPr>
       </p:pic>
-    </p:spTree>
-  </p:cSld>
-  <p:clrMapOvr>
-    <a:masterClrMapping/>
-  </p:clrMapOvr>
-  <p:timing>
-    <p:tnLst>
-      <p:par>
-        <p:cTn id="1" dur="indefinite" restart="never" nodeType="tmRoot"/>
-      </p:par>
-    </p:tnLst>
-  </p:timing>
-</p:sld>
-</file>
-
-<file path=ppt/slides/slide6.xml><?xml version="1.0" encoding="utf-8"?>
-<p:sld xmlns:a="http://schemas.openxmlformats.org/drawingml/2006/main" xmlns:r="http://schemas.openxmlformats.org/officeDocument/2006/relationships" xmlns:p="http://schemas.openxmlformats.org/presentationml/2006/main">
-  <p:cSld>
-    <p:bg>
-      <p:bgPr>
-        <a:solidFill>
-          <a:schemeClr val="tx1"/>
-        </a:solidFill>
-        <a:effectLst/>
-      </p:bgPr>
-    </p:bg>
-    <p:spTree>
-      <p:nvGrpSpPr>
-        <p:cNvPr id="1" name=""/>
-        <p:cNvGrpSpPr/>
-        <p:nvPr/>
-      </p:nvGrpSpPr>
-      <p:grpSpPr>
-        <a:xfrm>
-          <a:off x="0" y="0"/>
-          <a:ext cx="0" cy="0"/>
-          <a:chOff x="0" y="0"/>
-          <a:chExt cx="0" cy="0"/>
-        </a:xfrm>
-      </p:grpSpPr>
-      <p:sp>
-        <p:nvSpPr>
-          <p:cNvPr id="2" name="Title 1"/>
-          <p:cNvSpPr>
-            <a:spLocks noGrp="1"/>
-          </p:cNvSpPr>
-          <p:nvPr>
-            <p:ph type="title"/>
-          </p:nvPr>
-        </p:nvSpPr>
-        <p:spPr/>
-        <p:txBody>
-          <a:bodyPr>
+      <p:sp>
+        <p:nvSpPr>
+          <p:cNvPr id="6" name="Content Placeholder 2"/>
+          <p:cNvSpPr txBox="1">
+            <a:spLocks/>
+          </p:cNvSpPr>
+          <p:nvPr/>
+        </p:nvSpPr>
+        <p:spPr>
+          <a:xfrm>
+            <a:off x="368300" y="2590800"/>
+            <a:ext cx="5880100" cy="3886200"/>
+          </a:xfrm>
+          <a:prstGeom prst="rect">
+            <a:avLst/>
+          </a:prstGeom>
+        </p:spPr>
+        <p:txBody>
+          <a:bodyPr vert="horz" lIns="91440" tIns="45720" rIns="91440" bIns="45720" rtlCol="0">
             <a:normAutofit/>
           </a:bodyPr>
-          <a:lstStyle/>
-          <a:p>
-            <a:pPr algn="l"/>
-            <a:r>
-              <a:rPr lang="en-US" sz="5400" dirty="0" smtClean="0">
-                <a:solidFill>
-                  <a:srgbClr val="FFC000"/>
-                </a:solidFill>
-                <a:latin typeface="Chiller" pitchFamily="82" charset="0"/>
-              </a:rPr>
-              <a:t>Extensions</a:t>
-            </a:r>
-            <a:endParaRPr lang="en-US" sz="5400" dirty="0">
-              <a:solidFill>
-                <a:srgbClr val="FFC000"/>
-              </a:solidFill>
-              <a:latin typeface="Chiller" pitchFamily="82" charset="0"/>
-            </a:endParaRPr>
-          </a:p>
-        </p:txBody>
-      </p:sp>
-      <p:sp>
-        <p:nvSpPr>
-          <p:cNvPr id="3" name="Content Placeholder 2"/>
-          <p:cNvSpPr>
-            <a:spLocks noGrp="1"/>
-          </p:cNvSpPr>
-          <p:nvPr>
-            <p:ph idx="1"/>
-          </p:nvPr>
-        </p:nvSpPr>
-        <p:spPr>
-          <a:xfrm>
-            <a:off x="457200" y="1447800"/>
-            <a:ext cx="8229600" cy="4953000"/>
-          </a:xfrm>
-        </p:spPr>
-        <p:txBody>
-          <a:bodyPr>
-            <a:normAutofit/>
-          </a:bodyPr>
-          <a:lstStyle/>
-          <a:p>
-            <a:r>
-              <a:rPr lang="en-US" sz="2400" dirty="0" smtClean="0">
+          <a:lstStyle>
+            <a:lvl1pPr marL="342900" indent="-342900" algn="l" defTabSz="914400" rtl="0" eaLnBrk="1" latinLnBrk="0" hangingPunct="1">
+              <a:spcBef>
+                <a:spcPct val="20000"/>
+              </a:spcBef>
+              <a:buFont typeface="Arial" pitchFamily="34" charset="0"/>
+              <a:buChar char="•"/>
+              <a:defRPr sz="3200" kern="1200">
+                <a:solidFill>
+                  <a:schemeClr val="tx1"/>
+                </a:solidFill>
+                <a:latin typeface="+mn-lt"/>
+                <a:ea typeface="+mn-ea"/>
+                <a:cs typeface="+mn-cs"/>
+              </a:defRPr>
+            </a:lvl1pPr>
+            <a:lvl2pPr marL="742950" indent="-285750" algn="l" defTabSz="914400" rtl="0" eaLnBrk="1" latinLnBrk="0" hangingPunct="1">
+              <a:spcBef>
+                <a:spcPct val="20000"/>
+              </a:spcBef>
+              <a:buFont typeface="Arial" pitchFamily="34" charset="0"/>
+              <a:buChar char="–"/>
+              <a:defRPr sz="2800" kern="1200">
+                <a:solidFill>
+                  <a:schemeClr val="tx1"/>
+                </a:solidFill>
+                <a:latin typeface="+mn-lt"/>
+                <a:ea typeface="+mn-ea"/>
+                <a:cs typeface="+mn-cs"/>
+              </a:defRPr>
+            </a:lvl2pPr>
+            <a:lvl3pPr marL="1143000" indent="-228600" algn="l" defTabSz="914400" rtl="0" eaLnBrk="1" latinLnBrk="0" hangingPunct="1">
+              <a:spcBef>
+                <a:spcPct val="20000"/>
+              </a:spcBef>
+              <a:buFont typeface="Arial" pitchFamily="34" charset="0"/>
+              <a:buChar char="•"/>
+              <a:defRPr sz="2400" kern="1200">
+                <a:solidFill>
+                  <a:schemeClr val="tx1"/>
+                </a:solidFill>
+                <a:latin typeface="+mn-lt"/>
+                <a:ea typeface="+mn-ea"/>
+                <a:cs typeface="+mn-cs"/>
+              </a:defRPr>
+            </a:lvl3pPr>
+            <a:lvl4pPr marL="1600200" indent="-228600" algn="l" defTabSz="914400" rtl="0" eaLnBrk="1" latinLnBrk="0" hangingPunct="1">
+              <a:spcBef>
+                <a:spcPct val="20000"/>
+              </a:spcBef>
+              <a:buFont typeface="Arial" pitchFamily="34" charset="0"/>
+              <a:buChar char="–"/>
+              <a:defRPr sz="2000" kern="1200">
+                <a:solidFill>
+                  <a:schemeClr val="tx1"/>
+                </a:solidFill>
+                <a:latin typeface="+mn-lt"/>
+                <a:ea typeface="+mn-ea"/>
+                <a:cs typeface="+mn-cs"/>
+              </a:defRPr>
+            </a:lvl4pPr>
+            <a:lvl5pPr marL="2057400" indent="-228600" algn="l" defTabSz="914400" rtl="0" eaLnBrk="1" latinLnBrk="0" hangingPunct="1">
+              <a:spcBef>
+                <a:spcPct val="20000"/>
+              </a:spcBef>
+              <a:buFont typeface="Arial" pitchFamily="34" charset="0"/>
+              <a:buChar char="»"/>
+              <a:defRPr sz="2000" kern="1200">
+                <a:solidFill>
+                  <a:schemeClr val="tx1"/>
+                </a:solidFill>
+                <a:latin typeface="+mn-lt"/>
+                <a:ea typeface="+mn-ea"/>
+                <a:cs typeface="+mn-cs"/>
+              </a:defRPr>
+            </a:lvl5pPr>
+            <a:lvl6pPr marL="2514600" indent="-228600" algn="l" defTabSz="914400" rtl="0" eaLnBrk="1" latinLnBrk="0" hangingPunct="1">
+              <a:spcBef>
+                <a:spcPct val="20000"/>
+              </a:spcBef>
+              <a:buFont typeface="Arial" pitchFamily="34" charset="0"/>
+              <a:buChar char="•"/>
+              <a:defRPr sz="2000" kern="1200">
+                <a:solidFill>
+                  <a:schemeClr val="tx1"/>
+                </a:solidFill>
+                <a:latin typeface="+mn-lt"/>
+                <a:ea typeface="+mn-ea"/>
+                <a:cs typeface="+mn-cs"/>
+              </a:defRPr>
+            </a:lvl6pPr>
+            <a:lvl7pPr marL="2971800" indent="-228600" algn="l" defTabSz="914400" rtl="0" eaLnBrk="1" latinLnBrk="0" hangingPunct="1">
+              <a:spcBef>
+                <a:spcPct val="20000"/>
+              </a:spcBef>
+              <a:buFont typeface="Arial" pitchFamily="34" charset="0"/>
+              <a:buChar char="•"/>
+              <a:defRPr sz="2000" kern="1200">
+                <a:solidFill>
+                  <a:schemeClr val="tx1"/>
+                </a:solidFill>
+                <a:latin typeface="+mn-lt"/>
+                <a:ea typeface="+mn-ea"/>
+                <a:cs typeface="+mn-cs"/>
+              </a:defRPr>
+            </a:lvl7pPr>
+            <a:lvl8pPr marL="3429000" indent="-228600" algn="l" defTabSz="914400" rtl="0" eaLnBrk="1" latinLnBrk="0" hangingPunct="1">
+              <a:spcBef>
+                <a:spcPct val="20000"/>
+              </a:spcBef>
+              <a:buFont typeface="Arial" pitchFamily="34" charset="0"/>
+              <a:buChar char="•"/>
+              <a:defRPr sz="2000" kern="1200">
+                <a:solidFill>
+                  <a:schemeClr val="tx1"/>
+                </a:solidFill>
+                <a:latin typeface="+mn-lt"/>
+                <a:ea typeface="+mn-ea"/>
+                <a:cs typeface="+mn-cs"/>
+              </a:defRPr>
+            </a:lvl8pPr>
+            <a:lvl9pPr marL="3886200" indent="-228600" algn="l" defTabSz="914400" rtl="0" eaLnBrk="1" latinLnBrk="0" hangingPunct="1">
+              <a:spcBef>
+                <a:spcPct val="20000"/>
+              </a:spcBef>
+              <a:buFont typeface="Arial" pitchFamily="34" charset="0"/>
+              <a:buChar char="•"/>
+              <a:defRPr sz="2000" kern="1200">
+                <a:solidFill>
+                  <a:schemeClr val="tx1"/>
+                </a:solidFill>
+                <a:latin typeface="+mn-lt"/>
+                <a:ea typeface="+mn-ea"/>
+                <a:cs typeface="+mn-cs"/>
+              </a:defRPr>
+            </a:lvl9pPr>
+          </a:lstStyle>
+          <a:p>
+            <a:r>
+              <a:rPr lang="en-US" sz="2400" dirty="0">
                 <a:solidFill>
                   <a:schemeClr val="accent6">
                     <a:lumMod val="75000"/>
                   </a:schemeClr>
                 </a:solidFill>
               </a:rPr>
-              <a:t>The system could be extended to be an approach modeling the spread of infectious contact-based diseases </a:t>
-            </a:r>
-          </a:p>
-          <a:p>
-            <a:pPr lvl="1"/>
-            <a:r>
-              <a:rPr lang="en-US" sz="2000" dirty="0" smtClean="0">
-                <a:solidFill>
-                  <a:schemeClr val="accent6"/>
-                </a:solidFill>
-              </a:rPr>
-              <a:t>Modify zombie agents to act like normal humans </a:t>
-            </a:r>
-          </a:p>
-          <a:p>
-            <a:pPr lvl="1"/>
-            <a:r>
-              <a:rPr lang="en-US" sz="2000" dirty="0" smtClean="0">
-                <a:solidFill>
-                  <a:schemeClr val="accent6"/>
-                </a:solidFill>
-              </a:rPr>
-              <a:t>During contact with uninfected humans use a probability to pass disease along</a:t>
-            </a:r>
-          </a:p>
-          <a:p>
-            <a:pPr lvl="1"/>
-            <a:r>
-              <a:rPr lang="en-US" sz="2000" dirty="0" smtClean="0">
-                <a:solidFill>
-                  <a:schemeClr val="accent6"/>
-                </a:solidFill>
-              </a:rPr>
-              <a:t>Using pre-existing wall structures to model:</a:t>
-            </a:r>
-          </a:p>
-          <a:p>
-            <a:pPr lvl="2"/>
-            <a:r>
-              <a:rPr lang="en-US" sz="1600" dirty="0" smtClean="0">
-                <a:solidFill>
-                  <a:schemeClr val="accent6"/>
-                </a:solidFill>
-              </a:rPr>
-              <a:t>Airports</a:t>
-            </a:r>
-          </a:p>
-          <a:p>
-            <a:pPr lvl="2"/>
-            <a:r>
-              <a:rPr lang="en-US" sz="1600" dirty="0" smtClean="0">
-                <a:solidFill>
-                  <a:schemeClr val="accent6"/>
-                </a:solidFill>
-              </a:rPr>
-              <a:t>Bus stations</a:t>
-            </a:r>
-          </a:p>
-          <a:p>
-            <a:pPr lvl="2"/>
-            <a:r>
-              <a:rPr lang="en-US" sz="1600" dirty="0" smtClean="0">
-                <a:solidFill>
-                  <a:schemeClr val="accent6"/>
-                </a:solidFill>
-              </a:rPr>
-              <a:t>Train stations</a:t>
-            </a:r>
-          </a:p>
-          <a:p>
-            <a:pPr lvl="2"/>
-            <a:r>
-              <a:rPr lang="en-US" sz="1600" dirty="0" smtClean="0">
-                <a:solidFill>
-                  <a:schemeClr val="accent6"/>
-                </a:solidFill>
-              </a:rPr>
-              <a:t>Schools</a:t>
-            </a:r>
-          </a:p>
-          <a:p>
-            <a:pPr lvl="2"/>
-            <a:r>
-              <a:rPr lang="en-US" sz="1600" dirty="0" smtClean="0">
-                <a:solidFill>
-                  <a:schemeClr val="accent6"/>
-                </a:solidFill>
-              </a:rPr>
-              <a:t>Hospitals</a:t>
-            </a:r>
-          </a:p>
-          <a:p>
-            <a:pPr lvl="2"/>
-            <a:r>
-              <a:rPr lang="en-US" sz="1600" dirty="0" smtClean="0">
-                <a:solidFill>
-                  <a:schemeClr val="accent6"/>
-                </a:solidFill>
-              </a:rPr>
-              <a:t>Office environments</a:t>
-            </a:r>
-          </a:p>
-          <a:p>
-            <a:pPr lvl="1"/>
-            <a:endParaRPr lang="en-US" sz="1600" dirty="0" smtClean="0">
+              <a:t>This agrees with the infectious zombie </a:t>
+            </a:r>
+            <a:r>
+              <a:rPr lang="en-US" sz="2400" dirty="0" smtClean="0">
+                <a:solidFill>
+                  <a:schemeClr val="accent6">
+                    <a:lumMod val="75000"/>
+                  </a:schemeClr>
+                </a:solidFill>
+              </a:rPr>
+              <a:t>modeling by  </a:t>
+            </a:r>
+            <a:r>
+              <a:rPr lang="en-US" sz="2400" dirty="0" err="1" smtClean="0">
+                <a:solidFill>
+                  <a:schemeClr val="accent6">
+                    <a:lumMod val="75000"/>
+                  </a:schemeClr>
+                </a:solidFill>
+              </a:rPr>
+              <a:t>Munz</a:t>
+            </a:r>
+            <a:r>
+              <a:rPr lang="en-US" sz="2400" dirty="0" smtClean="0">
+                <a:solidFill>
+                  <a:schemeClr val="accent6">
+                    <a:lumMod val="75000"/>
+                  </a:schemeClr>
+                </a:solidFill>
+              </a:rPr>
+              <a:t> et al. in </a:t>
+            </a:r>
+            <a:r>
+              <a:rPr lang="en-US" sz="2400" i="1" dirty="0" smtClean="0">
+                <a:solidFill>
+                  <a:schemeClr val="accent6">
+                    <a:lumMod val="75000"/>
+                  </a:schemeClr>
+                </a:solidFill>
+              </a:rPr>
+              <a:t>When Zombies Attack!: Mathematical Modeling of an Outbreak</a:t>
+            </a:r>
+          </a:p>
+          <a:p>
+            <a:endParaRPr lang="en-US" sz="2400" i="1" dirty="0">
               <a:solidFill>
-                <a:schemeClr val="accent6"/>
+                <a:schemeClr val="accent6">
+                  <a:lumMod val="75000"/>
+                </a:schemeClr>
               </a:solidFill>
             </a:endParaRPr>
           </a:p>
           <a:p>
+            <a:endParaRPr lang="en-US" sz="2400" i="1" dirty="0" smtClean="0">
+              <a:solidFill>
+                <a:schemeClr val="accent6">
+                  <a:lumMod val="75000"/>
+                </a:schemeClr>
+              </a:solidFill>
+            </a:endParaRPr>
+          </a:p>
+          <a:p>
+            <a:endParaRPr lang="en-US" sz="2400" i="1" dirty="0">
+              <a:solidFill>
+                <a:schemeClr val="accent6">
+                  <a:lumMod val="75000"/>
+                </a:schemeClr>
+              </a:solidFill>
+            </a:endParaRPr>
+          </a:p>
+          <a:p>
             <a:endParaRPr lang="en-US" sz="2400" dirty="0" smtClean="0">
               <a:solidFill>
-                <a:schemeClr val="accent6"/>
+                <a:schemeClr val="accent6">
+                  <a:lumMod val="75000"/>
+                </a:schemeClr>
               </a:solidFill>
             </a:endParaRPr>
           </a:p>
@@ -6314,78 +10233,6 @@
           </a:p>
         </p:txBody>
       </p:sp>
-      <p:cxnSp>
-        <p:nvCxnSpPr>
-          <p:cNvPr id="5" name="Straight Connector 4"/>
-          <p:cNvCxnSpPr/>
-          <p:nvPr/>
-        </p:nvCxnSpPr>
-        <p:spPr>
-          <a:xfrm rot="10800000">
-            <a:off x="533400" y="1143001"/>
-            <a:ext cx="4419600" cy="0"/>
-          </a:xfrm>
-          <a:prstGeom prst="line">
-            <a:avLst/>
-          </a:prstGeom>
-          <a:ln w="57150">
-            <a:solidFill>
-              <a:schemeClr val="accent6">
-                <a:lumMod val="50000"/>
-              </a:schemeClr>
-            </a:solidFill>
-          </a:ln>
-        </p:spPr>
-        <p:style>
-          <a:lnRef idx="1">
-            <a:schemeClr val="accent1"/>
-          </a:lnRef>
-          <a:fillRef idx="0">
-            <a:schemeClr val="accent1"/>
-          </a:fillRef>
-          <a:effectRef idx="0">
-            <a:schemeClr val="accent1"/>
-          </a:effectRef>
-          <a:fontRef idx="minor">
-            <a:schemeClr val="tx1"/>
-          </a:fontRef>
-        </p:style>
-      </p:cxnSp>
-      <p:cxnSp>
-        <p:nvCxnSpPr>
-          <p:cNvPr id="6" name="Straight Connector 5"/>
-          <p:cNvCxnSpPr/>
-          <p:nvPr/>
-        </p:nvCxnSpPr>
-        <p:spPr>
-          <a:xfrm rot="10800000">
-            <a:off x="533400" y="1143000"/>
-            <a:ext cx="2133600" cy="0"/>
-          </a:xfrm>
-          <a:prstGeom prst="line">
-            <a:avLst/>
-          </a:prstGeom>
-          <a:ln w="57150">
-            <a:solidFill>
-              <a:schemeClr val="accent6"/>
-            </a:solidFill>
-          </a:ln>
-        </p:spPr>
-        <p:style>
-          <a:lnRef idx="1">
-            <a:schemeClr val="accent1"/>
-          </a:lnRef>
-          <a:fillRef idx="0">
-            <a:schemeClr val="accent1"/>
-          </a:fillRef>
-          <a:effectRef idx="0">
-            <a:schemeClr val="accent1"/>
-          </a:effectRef>
-          <a:fontRef idx="minor">
-            <a:schemeClr val="tx1"/>
-          </a:fontRef>
-        </p:style>
-      </p:cxnSp>
     </p:spTree>
   </p:cSld>
   <p:clrMapOvr>

--- a/ZombieOutbreak.pptx
+++ b/ZombieOutbreak.pptx
@@ -375,7 +375,7 @@
     </p:spTree>
     <p:extLst>
       <p:ext uri="{BB962C8B-B14F-4D97-AF65-F5344CB8AC3E}">
-        <p14:creationId xmlns:p14="http://schemas.microsoft.com/office/powerpoint/2010/main" val="1381114562"/>
+        <p14:creationId xmlns:p14="http://schemas.microsoft.com/office/powerpoint/2010/main" xmlns="" val="1381114562"/>
       </p:ext>
     </p:extLst>
   </p:cSld>
@@ -745,11 +745,7 @@
           <a:p>
             <a:r>
               <a:rPr lang="en-US" dirty="0" smtClean="0"/>
-              <a:t>http</a:t>
-            </a:r>
-            <a:r>
-              <a:rPr lang="en-US" dirty="0" smtClean="0"/>
-              <a:t>://www.flickr.com/photos/wonko-the-sane/3442488189/</a:t>
+              <a:t>http://www.flickr.com/photos/wonko-the-sane/3442488189/</a:t>
             </a:r>
             <a:endParaRPr lang="en-US" dirty="0"/>
           </a:p>
@@ -2076,11 +2072,7 @@
           <a:p>
             <a:r>
               <a:rPr lang="en-US" dirty="0" smtClean="0"/>
-              <a:t>http</a:t>
-            </a:r>
-            <a:r>
-              <a:rPr lang="en-US" dirty="0" smtClean="0"/>
-              <a:t>://www.flickr.com/photos/wonko-the-sane/3442488189/</a:t>
+              <a:t>http://www.flickr.com/photos/wonko-the-sane/3442488189/</a:t>
             </a:r>
             <a:endParaRPr lang="en-US" dirty="0"/>
           </a:p>
@@ -5364,16 +5356,7 @@
                 </a:solidFill>
                 <a:latin typeface="Chiller" pitchFamily="82" charset="0"/>
               </a:rPr>
-              <a:t>Experimental </a:t>
-            </a:r>
-            <a:r>
-              <a:rPr lang="en-US" sz="5400" dirty="0" smtClean="0">
-                <a:solidFill>
-                  <a:srgbClr val="FFC000"/>
-                </a:solidFill>
-                <a:latin typeface="Chiller" pitchFamily="82" charset="0"/>
-              </a:rPr>
-              <a:t>Results l</a:t>
+              <a:t>Experimental Results l</a:t>
             </a:r>
             <a:endParaRPr lang="en-US" sz="5400" dirty="0">
               <a:solidFill>
@@ -5447,11 +5430,6 @@
               </a:rPr>
               <a:t>An exponential repulsion force</a:t>
             </a:r>
-            <a:endParaRPr lang="en-US" sz="2000" dirty="0" smtClean="0">
-              <a:solidFill>
-                <a:schemeClr val="accent6"/>
-              </a:solidFill>
-            </a:endParaRPr>
           </a:p>
           <a:p>
             <a:endParaRPr lang="en-US" sz="2400" dirty="0" smtClean="0">
@@ -5474,13 +5452,6 @@
               </a:rPr>
               <a:t>Spirals form when the speed of the zombies and humans are equivalent</a:t>
             </a:r>
-            <a:endParaRPr lang="en-US" sz="2400" dirty="0" smtClean="0">
-              <a:solidFill>
-                <a:schemeClr val="accent6">
-                  <a:lumMod val="75000"/>
-                </a:schemeClr>
-              </a:solidFill>
-            </a:endParaRPr>
           </a:p>
           <a:p>
             <a:pPr algn="just"/>
@@ -5544,10 +5515,10 @@
           <p:nvPr/>
         </p:nvPicPr>
         <p:blipFill>
-          <a:blip r:embed="rId3">
+          <a:blip r:embed="rId3" cstate="print">
             <a:extLst>
               <a:ext uri="{28A0092B-C50C-407E-A947-70E740481C1C}">
-                <a14:useLocalDpi xmlns:a14="http://schemas.microsoft.com/office/drawing/2010/main" val="0"/>
+                <a14:useLocalDpi xmlns:a14="http://schemas.microsoft.com/office/drawing/2010/main" xmlns="" val="0"/>
               </a:ext>
             </a:extLst>
           </a:blip>
@@ -5571,14 +5542,14 @@
           <a:effectLst/>
           <a:extLst>
             <a:ext uri="{909E8E84-426E-40DD-AFC4-6F175D3DCCD1}">
-              <a14:hiddenFill xmlns:a14="http://schemas.microsoft.com/office/drawing/2010/main">
+              <a14:hiddenFill xmlns:a14="http://schemas.microsoft.com/office/drawing/2010/main" xmlns="">
                 <a:solidFill>
                   <a:schemeClr val="accent1"/>
                 </a:solidFill>
               </a14:hiddenFill>
             </a:ext>
             <a:ext uri="{91240B29-F687-4F45-9708-019B960494DF}">
-              <a14:hiddenLine xmlns:a14="http://schemas.microsoft.com/office/drawing/2010/main" w="9525">
+              <a14:hiddenLine xmlns:a14="http://schemas.microsoft.com/office/drawing/2010/main" xmlns="" w="9525">
                 <a:solidFill>
                   <a:schemeClr val="tx1"/>
                 </a:solidFill>
@@ -5588,7 +5559,7 @@
               </a14:hiddenLine>
             </a:ext>
             <a:ext uri="{AF507438-7753-43E0-B8FC-AC1667EBCBE1}">
-              <a14:hiddenEffects xmlns:a14="http://schemas.microsoft.com/office/drawing/2010/main">
+              <a14:hiddenEffects xmlns:a14="http://schemas.microsoft.com/office/drawing/2010/main" xmlns="">
                 <a:effectLst>
                   <a:outerShdw dist="35921" dir="2700000" algn="ctr" rotWithShape="0">
                     <a:schemeClr val="bg2"/>
@@ -5608,10 +5579,10 @@
           <p:nvPr/>
         </p:nvPicPr>
         <p:blipFill>
-          <a:blip r:embed="rId4">
+          <a:blip r:embed="rId4" cstate="print">
             <a:extLst>
               <a:ext uri="{28A0092B-C50C-407E-A947-70E740481C1C}">
-                <a14:useLocalDpi xmlns:a14="http://schemas.microsoft.com/office/drawing/2010/main" val="0"/>
+                <a14:useLocalDpi xmlns:a14="http://schemas.microsoft.com/office/drawing/2010/main" xmlns="" val="0"/>
               </a:ext>
             </a:extLst>
           </a:blip>
@@ -5635,14 +5606,14 @@
           <a:effectLst/>
           <a:extLst>
             <a:ext uri="{909E8E84-426E-40DD-AFC4-6F175D3DCCD1}">
-              <a14:hiddenFill xmlns:a14="http://schemas.microsoft.com/office/drawing/2010/main">
+              <a14:hiddenFill xmlns:a14="http://schemas.microsoft.com/office/drawing/2010/main" xmlns="">
                 <a:solidFill>
                   <a:schemeClr val="accent1"/>
                 </a:solidFill>
               </a14:hiddenFill>
             </a:ext>
             <a:ext uri="{91240B29-F687-4F45-9708-019B960494DF}">
-              <a14:hiddenLine xmlns:a14="http://schemas.microsoft.com/office/drawing/2010/main" w="9525">
+              <a14:hiddenLine xmlns:a14="http://schemas.microsoft.com/office/drawing/2010/main" xmlns="" w="9525">
                 <a:solidFill>
                   <a:schemeClr val="tx1"/>
                 </a:solidFill>
@@ -5652,7 +5623,7 @@
               </a14:hiddenLine>
             </a:ext>
             <a:ext uri="{AF507438-7753-43E0-B8FC-AC1667EBCBE1}">
-              <a14:hiddenEffects xmlns:a14="http://schemas.microsoft.com/office/drawing/2010/main">
+              <a14:hiddenEffects xmlns:a14="http://schemas.microsoft.com/office/drawing/2010/main" xmlns="">
                 <a:effectLst>
                   <a:outerShdw dist="35921" dir="2700000" algn="ctr" rotWithShape="0">
                     <a:schemeClr val="bg2"/>
@@ -5672,10 +5643,10 @@
           <p:nvPr/>
         </p:nvPicPr>
         <p:blipFill>
-          <a:blip r:embed="rId5">
+          <a:blip r:embed="rId5" cstate="print">
             <a:extLst>
               <a:ext uri="{28A0092B-C50C-407E-A947-70E740481C1C}">
-                <a14:useLocalDpi xmlns:a14="http://schemas.microsoft.com/office/drawing/2010/main" val="0"/>
+                <a14:useLocalDpi xmlns:a14="http://schemas.microsoft.com/office/drawing/2010/main" xmlns="" val="0"/>
               </a:ext>
             </a:extLst>
           </a:blip>
@@ -5699,14 +5670,14 @@
           <a:effectLst/>
           <a:extLst>
             <a:ext uri="{909E8E84-426E-40DD-AFC4-6F175D3DCCD1}">
-              <a14:hiddenFill xmlns:a14="http://schemas.microsoft.com/office/drawing/2010/main">
+              <a14:hiddenFill xmlns:a14="http://schemas.microsoft.com/office/drawing/2010/main" xmlns="">
                 <a:solidFill>
                   <a:schemeClr val="accent1"/>
                 </a:solidFill>
               </a14:hiddenFill>
             </a:ext>
             <a:ext uri="{91240B29-F687-4F45-9708-019B960494DF}">
-              <a14:hiddenLine xmlns:a14="http://schemas.microsoft.com/office/drawing/2010/main" w="9525">
+              <a14:hiddenLine xmlns:a14="http://schemas.microsoft.com/office/drawing/2010/main" xmlns="" w="9525">
                 <a:solidFill>
                   <a:schemeClr val="tx1"/>
                 </a:solidFill>
@@ -5716,7 +5687,7 @@
               </a14:hiddenLine>
             </a:ext>
             <a:ext uri="{AF507438-7753-43E0-B8FC-AC1667EBCBE1}">
-              <a14:hiddenEffects xmlns:a14="http://schemas.microsoft.com/office/drawing/2010/main">
+              <a14:hiddenEffects xmlns:a14="http://schemas.microsoft.com/office/drawing/2010/main" xmlns="">
                 <a:effectLst>
                   <a:outerShdw dist="35921" dir="2700000" algn="ctr" rotWithShape="0">
                     <a:schemeClr val="bg2"/>
@@ -5730,7 +5701,7 @@
     </p:spTree>
     <p:extLst>
       <p:ext uri="{BB962C8B-B14F-4D97-AF65-F5344CB8AC3E}">
-        <p14:creationId xmlns:p14="http://schemas.microsoft.com/office/powerpoint/2010/main" val="2390116749"/>
+        <p14:creationId xmlns:p14="http://schemas.microsoft.com/office/powerpoint/2010/main" xmlns="" val="2390116749"/>
       </p:ext>
     </p:extLst>
   </p:cSld>
@@ -6344,7 +6315,7 @@
     </p:spTree>
     <p:extLst>
       <p:ext uri="{BB962C8B-B14F-4D97-AF65-F5344CB8AC3E}">
-        <p14:creationId xmlns:p14="http://schemas.microsoft.com/office/powerpoint/2010/main" val="1886486236"/>
+        <p14:creationId xmlns:p14="http://schemas.microsoft.com/office/powerpoint/2010/main" xmlns="" val="1886486236"/>
       </p:ext>
     </p:extLst>
   </p:cSld>
@@ -6978,6 +6949,37 @@
             </a:endParaRPr>
           </a:p>
           <a:p>
+            <a:r>
+              <a:rPr lang="en-US" sz="2400" dirty="0" smtClean="0">
+                <a:solidFill>
+                  <a:schemeClr val="accent6">
+                    <a:lumMod val="75000"/>
+                  </a:schemeClr>
+                </a:solidFill>
+              </a:rPr>
+              <a:t>The panic induced in the humans is proportional to the number of zombies present</a:t>
+            </a:r>
+          </a:p>
+          <a:p>
+            <a:endParaRPr lang="en-US" sz="2400" dirty="0" smtClean="0">
+              <a:solidFill>
+                <a:schemeClr val="accent6">
+                  <a:lumMod val="75000"/>
+                </a:schemeClr>
+              </a:solidFill>
+            </a:endParaRPr>
+          </a:p>
+          <a:p>
+            <a:r>
+              <a:rPr lang="en-US" sz="2400" dirty="0" smtClean="0">
+                <a:solidFill>
+                  <a:schemeClr val="accent6">
+                    <a:lumMod val="75000"/>
+                  </a:schemeClr>
+                </a:solidFill>
+              </a:rPr>
+              <a:t>Often this can completely destroy the human flocks</a:t>
+            </a:r>
             <a:endParaRPr lang="en-US" sz="2400" dirty="0" smtClean="0">
               <a:solidFill>
                 <a:schemeClr val="accent6">
@@ -7491,7 +7493,7 @@
     </p:spTree>
     <p:extLst>
       <p:ext uri="{BB962C8B-B14F-4D97-AF65-F5344CB8AC3E}">
-        <p14:creationId xmlns:p14="http://schemas.microsoft.com/office/powerpoint/2010/main" val="2339582423"/>
+        <p14:creationId xmlns:p14="http://schemas.microsoft.com/office/powerpoint/2010/main" xmlns="" val="2339582423"/>
       </p:ext>
     </p:extLst>
   </p:cSld>
@@ -8452,7 +8454,7 @@
         <p:spPr>
           <a:xfrm>
             <a:off x="0" y="1225689"/>
-            <a:ext cx="8763000" cy="2862322"/>
+            <a:ext cx="8763000" cy="3785652"/>
           </a:xfrm>
           <a:prstGeom prst="rect">
             <a:avLst/>
@@ -8516,14 +8518,6 @@
           </a:p>
           <a:p>
             <a:pPr lvl="1"/>
-            <a:r>
-              <a:rPr lang="en-US" sz="2000" dirty="0" smtClean="0">
-                <a:solidFill>
-                  <a:schemeClr val="accent6"/>
-                </a:solidFill>
-              </a:rPr>
-              <a:t>Bitten humans may incubate the disease, undetectable by other humans</a:t>
-            </a:r>
             <a:endParaRPr lang="en-US" sz="2000" dirty="0" smtClean="0">
               <a:solidFill>
                 <a:schemeClr val="accent6"/>
@@ -8540,18 +8534,165 @@
           </a:p>
           <a:p>
             <a:pPr lvl="1"/>
+            <a:r>
+              <a:rPr lang="en-US" sz="2000" dirty="0" smtClean="0">
+                <a:solidFill>
+                  <a:schemeClr val="accent6"/>
+                </a:solidFill>
+              </a:rPr>
+              <a:t>Bitten </a:t>
+            </a:r>
+            <a:r>
+              <a:rPr lang="en-US" sz="2000" dirty="0" smtClean="0">
+                <a:solidFill>
+                  <a:schemeClr val="accent6"/>
+                </a:solidFill>
+              </a:rPr>
+              <a:t>humans may incubate the disease, undetectable by other </a:t>
+            </a:r>
+            <a:r>
+              <a:rPr lang="en-US" sz="2000" dirty="0" smtClean="0">
+                <a:solidFill>
+                  <a:schemeClr val="accent6"/>
+                </a:solidFill>
+              </a:rPr>
+              <a:t>humans</a:t>
+            </a:r>
+          </a:p>
+          <a:p>
+            <a:pPr lvl="1"/>
+            <a:r>
+              <a:rPr lang="en-US" sz="2000" dirty="0" smtClean="0">
+                <a:solidFill>
+                  <a:schemeClr val="accent6"/>
+                </a:solidFill>
+              </a:rPr>
+              <a:t>They are displayed in darker shades of green</a:t>
+            </a:r>
             <a:endParaRPr lang="en-US" sz="2000" dirty="0" smtClean="0">
               <a:solidFill>
                 <a:schemeClr val="accent6"/>
               </a:solidFill>
             </a:endParaRPr>
           </a:p>
-        </p:txBody>
-      </p:sp>
+          <a:p>
+            <a:pPr lvl="1"/>
+            <a:endParaRPr lang="en-US" sz="2000" dirty="0" smtClean="0">
+              <a:solidFill>
+                <a:schemeClr val="accent6"/>
+              </a:solidFill>
+            </a:endParaRPr>
+          </a:p>
+          <a:p>
+            <a:pPr lvl="1"/>
+            <a:endParaRPr lang="en-US" sz="2000" dirty="0" smtClean="0">
+              <a:solidFill>
+                <a:schemeClr val="accent6"/>
+              </a:solidFill>
+            </a:endParaRPr>
+          </a:p>
+        </p:txBody>
+      </p:sp>
+      <p:pic>
+        <p:nvPicPr>
+          <p:cNvPr id="1026" name="Picture 2"/>
+          <p:cNvPicPr>
+            <a:picLocks noChangeAspect="1" noChangeArrowheads="1"/>
+          </p:cNvPicPr>
+          <p:nvPr/>
+        </p:nvPicPr>
+        <p:blipFill>
+          <a:blip r:embed="rId3" cstate="print"/>
+          <a:srcRect/>
+          <a:stretch>
+            <a:fillRect/>
+          </a:stretch>
+        </p:blipFill>
+        <p:spPr bwMode="auto">
+          <a:xfrm rot="17184849">
+            <a:off x="1109248" y="1632485"/>
+            <a:ext cx="751399" cy="1127099"/>
+          </a:xfrm>
+          <a:prstGeom prst="rect">
+            <a:avLst/>
+          </a:prstGeom>
+          <a:noFill/>
+          <a:ln w="9525">
+            <a:noFill/>
+            <a:miter lim="800000"/>
+            <a:headEnd/>
+            <a:tailEnd/>
+          </a:ln>
+        </p:spPr>
+      </p:pic>
+      <p:pic>
+        <p:nvPicPr>
+          <p:cNvPr id="1027" name="Picture 3"/>
+          <p:cNvPicPr>
+            <a:picLocks noChangeAspect="1" noChangeArrowheads="1"/>
+          </p:cNvPicPr>
+          <p:nvPr/>
+        </p:nvPicPr>
+        <p:blipFill>
+          <a:blip r:embed="rId4" cstate="print"/>
+          <a:srcRect/>
+          <a:stretch>
+            <a:fillRect/>
+          </a:stretch>
+        </p:blipFill>
+        <p:spPr bwMode="auto">
+          <a:xfrm>
+            <a:off x="4114800" y="1752600"/>
+            <a:ext cx="1451919" cy="1143000"/>
+          </a:xfrm>
+          <a:prstGeom prst="rect">
+            <a:avLst/>
+          </a:prstGeom>
+          <a:noFill/>
+          <a:ln w="9525">
+            <a:noFill/>
+            <a:miter lim="800000"/>
+            <a:headEnd/>
+            <a:tailEnd/>
+          </a:ln>
+        </p:spPr>
+      </p:pic>
+      <p:pic>
+        <p:nvPicPr>
+          <p:cNvPr id="1028" name="Picture 4"/>
+          <p:cNvPicPr>
+            <a:picLocks noChangeAspect="1" noChangeArrowheads="1"/>
+          </p:cNvPicPr>
+          <p:nvPr/>
+        </p:nvPicPr>
+        <p:blipFill>
+          <a:blip r:embed="rId5" cstate="print"/>
+          <a:srcRect/>
+          <a:stretch>
+            <a:fillRect/>
+          </a:stretch>
+        </p:blipFill>
+        <p:spPr bwMode="auto">
+          <a:xfrm>
+            <a:off x="838200" y="4419600"/>
+            <a:ext cx="1620108" cy="1524000"/>
+          </a:xfrm>
+          <a:prstGeom prst="rect">
+            <a:avLst/>
+          </a:prstGeom>
+          <a:noFill/>
+          <a:ln w="9525">
+            <a:noFill/>
+            <a:miter lim="800000"/>
+            <a:headEnd/>
+            <a:tailEnd/>
+          </a:ln>
+        </p:spPr>
+      </p:pic>
     </p:spTree>
     <p:extLst>
       <p:ext uri="{BB962C8B-B14F-4D97-AF65-F5344CB8AC3E}">
-        <p14:creationId xmlns:p14="http://schemas.microsoft.com/office/powerpoint/2010/main" val="3421679227"/>
+        <p14:creationId xmlns:p14="http://schemas.microsoft.com/office/powerpoint/2010/main" xmlns="" val="3421679227"/>
       </p:ext>
     </p:extLst>
   </p:cSld>
@@ -8790,17 +8931,7 @@
                 <a:latin typeface="Chiller" pitchFamily="82" charset="0"/>
                 <a:cs typeface="Andalus" pitchFamily="18" charset="-78"/>
               </a:rPr>
-              <a:t>Agent Behavior </a:t>
-            </a:r>
-            <a:r>
-              <a:rPr lang="en-US" sz="4500" dirty="0" smtClean="0">
-                <a:solidFill>
-                  <a:srgbClr val="FFC000"/>
-                </a:solidFill>
-                <a:latin typeface="Chiller" pitchFamily="82" charset="0"/>
-                <a:cs typeface="Andalus" pitchFamily="18" charset="-78"/>
-              </a:rPr>
-              <a:t>– </a:t>
+              <a:t>Agent Behavior – </a:t>
             </a:r>
             <a:r>
               <a:rPr lang="en-US" sz="4500" dirty="0" smtClean="0">
@@ -8910,10 +9041,10 @@
           <p:nvPr/>
         </p:nvPicPr>
         <p:blipFill>
-          <a:blip r:embed="rId3">
+          <a:blip r:embed="rId3" cstate="print">
             <a:extLst>
               <a:ext uri="{28A0092B-C50C-407E-A947-70E740481C1C}">
-                <a14:useLocalDpi xmlns:a14="http://schemas.microsoft.com/office/drawing/2010/main" val="0"/>
+                <a14:useLocalDpi xmlns:a14="http://schemas.microsoft.com/office/drawing/2010/main" xmlns="" val="0"/>
               </a:ext>
             </a:extLst>
           </a:blip>
@@ -8937,14 +9068,14 @@
           <a:effectLst/>
           <a:extLst>
             <a:ext uri="{909E8E84-426E-40DD-AFC4-6F175D3DCCD1}">
-              <a14:hiddenFill xmlns:a14="http://schemas.microsoft.com/office/drawing/2010/main">
+              <a14:hiddenFill xmlns:a14="http://schemas.microsoft.com/office/drawing/2010/main" xmlns="">
                 <a:solidFill>
                   <a:schemeClr val="accent1"/>
                 </a:solidFill>
               </a14:hiddenFill>
             </a:ext>
             <a:ext uri="{91240B29-F687-4F45-9708-019B960494DF}">
-              <a14:hiddenLine xmlns:a14="http://schemas.microsoft.com/office/drawing/2010/main" w="9525">
+              <a14:hiddenLine xmlns:a14="http://schemas.microsoft.com/office/drawing/2010/main" xmlns="" w="9525">
                 <a:solidFill>
                   <a:schemeClr val="tx1"/>
                 </a:solidFill>
@@ -8954,7 +9085,7 @@
               </a14:hiddenLine>
             </a:ext>
             <a:ext uri="{AF507438-7753-43E0-B8FC-AC1667EBCBE1}">
-              <a14:hiddenEffects xmlns:a14="http://schemas.microsoft.com/office/drawing/2010/main">
+              <a14:hiddenEffects xmlns:a14="http://schemas.microsoft.com/office/drawing/2010/main" xmlns="">
                 <a:effectLst>
                   <a:outerShdw dist="35921" dir="2700000" algn="ctr" rotWithShape="0">
                     <a:schemeClr val="bg2"/>
@@ -8974,10 +9105,10 @@
           <p:nvPr/>
         </p:nvPicPr>
         <p:blipFill>
-          <a:blip r:embed="rId4">
+          <a:blip r:embed="rId4" cstate="print">
             <a:extLst>
               <a:ext uri="{28A0092B-C50C-407E-A947-70E740481C1C}">
-                <a14:useLocalDpi xmlns:a14="http://schemas.microsoft.com/office/drawing/2010/main" val="0"/>
+                <a14:useLocalDpi xmlns:a14="http://schemas.microsoft.com/office/drawing/2010/main" xmlns="" val="0"/>
               </a:ext>
             </a:extLst>
           </a:blip>
@@ -9001,14 +9132,14 @@
           <a:effectLst/>
           <a:extLst>
             <a:ext uri="{909E8E84-426E-40DD-AFC4-6F175D3DCCD1}">
-              <a14:hiddenFill xmlns:a14="http://schemas.microsoft.com/office/drawing/2010/main">
+              <a14:hiddenFill xmlns:a14="http://schemas.microsoft.com/office/drawing/2010/main" xmlns="">
                 <a:solidFill>
                   <a:schemeClr val="accent1"/>
                 </a:solidFill>
               </a14:hiddenFill>
             </a:ext>
             <a:ext uri="{91240B29-F687-4F45-9708-019B960494DF}">
-              <a14:hiddenLine xmlns:a14="http://schemas.microsoft.com/office/drawing/2010/main" w="9525">
+              <a14:hiddenLine xmlns:a14="http://schemas.microsoft.com/office/drawing/2010/main" xmlns="" w="9525">
                 <a:solidFill>
                   <a:schemeClr val="tx1"/>
                 </a:solidFill>
@@ -9018,7 +9149,7 @@
               </a14:hiddenLine>
             </a:ext>
             <a:ext uri="{AF507438-7753-43E0-B8FC-AC1667EBCBE1}">
-              <a14:hiddenEffects xmlns:a14="http://schemas.microsoft.com/office/drawing/2010/main">
+              <a14:hiddenEffects xmlns:a14="http://schemas.microsoft.com/office/drawing/2010/main" xmlns="">
                 <a:effectLst>
                   <a:outerShdw dist="35921" dir="2700000" algn="ctr" rotWithShape="0">
                     <a:schemeClr val="bg2"/>
@@ -9071,10 +9202,10 @@
           <p:nvPr/>
         </p:nvPicPr>
         <p:blipFill rotWithShape="1">
-          <a:blip r:embed="rId5">
+          <a:blip r:embed="rId5" cstate="print">
             <a:extLst>
               <a:ext uri="{28A0092B-C50C-407E-A947-70E740481C1C}">
-                <a14:useLocalDpi xmlns:a14="http://schemas.microsoft.com/office/drawing/2010/main" val="0"/>
+                <a14:useLocalDpi xmlns:a14="http://schemas.microsoft.com/office/drawing/2010/main" xmlns="" val="0"/>
               </a:ext>
             </a:extLst>
           </a:blip>
@@ -9096,14 +9227,14 @@
           <a:effectLst/>
           <a:extLst>
             <a:ext uri="{909E8E84-426E-40DD-AFC4-6F175D3DCCD1}">
-              <a14:hiddenFill xmlns:a14="http://schemas.microsoft.com/office/drawing/2010/main">
+              <a14:hiddenFill xmlns:a14="http://schemas.microsoft.com/office/drawing/2010/main" xmlns="">
                 <a:solidFill>
                   <a:schemeClr val="accent1"/>
                 </a:solidFill>
               </a14:hiddenFill>
             </a:ext>
             <a:ext uri="{91240B29-F687-4F45-9708-019B960494DF}">
-              <a14:hiddenLine xmlns:a14="http://schemas.microsoft.com/office/drawing/2010/main" w="9525">
+              <a14:hiddenLine xmlns:a14="http://schemas.microsoft.com/office/drawing/2010/main" xmlns="" w="9525">
                 <a:solidFill>
                   <a:schemeClr val="tx1"/>
                 </a:solidFill>
@@ -9113,7 +9244,7 @@
               </a14:hiddenLine>
             </a:ext>
             <a:ext uri="{AF507438-7753-43E0-B8FC-AC1667EBCBE1}">
-              <a14:hiddenEffects xmlns:a14="http://schemas.microsoft.com/office/drawing/2010/main">
+              <a14:hiddenEffects xmlns:a14="http://schemas.microsoft.com/office/drawing/2010/main" xmlns="">
                 <a:effectLst>
                   <a:outerShdw dist="35921" dir="2700000" algn="ctr" rotWithShape="0">
                     <a:schemeClr val="bg2"/>
@@ -9173,7 +9304,7 @@
     </p:spTree>
     <p:extLst>
       <p:ext uri="{BB962C8B-B14F-4D97-AF65-F5344CB8AC3E}">
-        <p14:creationId xmlns:p14="http://schemas.microsoft.com/office/powerpoint/2010/main" val="2286665305"/>
+        <p14:creationId xmlns:p14="http://schemas.microsoft.com/office/powerpoint/2010/main" xmlns="" val="2286665305"/>
       </p:ext>
     </p:extLst>
   </p:cSld>
@@ -9756,7 +9887,7 @@
     </p:spTree>
     <p:extLst>
       <p:ext uri="{BB962C8B-B14F-4D97-AF65-F5344CB8AC3E}">
-        <p14:creationId xmlns:p14="http://schemas.microsoft.com/office/powerpoint/2010/main" val="1065909379"/>
+        <p14:creationId xmlns:p14="http://schemas.microsoft.com/office/powerpoint/2010/main" xmlns="" val="1065909379"/>
       </p:ext>
     </p:extLst>
   </p:cSld>
